--- a/trunk/Presentazione/Atsilo1/Scafuro/[BOZZA] Presentazione framework.pptx
+++ b/trunk/Presentazione/Atsilo1/Scafuro/[BOZZA] Presentazione framework.pptx
@@ -5,7 +5,7 @@
     <p:sldMasterId id="2147483684" r:id="rId1"/>
   </p:sldMasterIdLst>
   <p:notesMasterIdLst>
-    <p:notesMasterId r:id="rId12"/>
+    <p:notesMasterId r:id="rId13"/>
   </p:notesMasterIdLst>
   <p:sldIdLst>
     <p:sldId id="260" r:id="rId2"/>
@@ -16,8 +16,9 @@
     <p:sldId id="266" r:id="rId7"/>
     <p:sldId id="267" r:id="rId8"/>
     <p:sldId id="268" r:id="rId9"/>
-    <p:sldId id="269" r:id="rId10"/>
+    <p:sldId id="272" r:id="rId10"/>
     <p:sldId id="270" r:id="rId11"/>
+    <p:sldId id="271" r:id="rId12"/>
   </p:sldIdLst>
   <p:sldSz cx="9144000" cy="6858000" type="screen4x3"/>
   <p:notesSz cx="6858000" cy="9144000"/>
@@ -371,7 +372,7 @@
     </p:spTree>
     <p:extLst>
       <p:ext uri="{BB962C8B-B14F-4D97-AF65-F5344CB8AC3E}">
-        <p14:creationId xmlns="" xmlns:p14="http://schemas.microsoft.com/office/powerpoint/2010/main" val="2126419590"/>
+        <p14:creationId xmlns:p14="http://schemas.microsoft.com/office/powerpoint/2010/main" xmlns="" val="2126419590"/>
       </p:ext>
     </p:extLst>
   </p:cSld>
@@ -4337,8 +4338,8 @@
         </p:nvSpPr>
         <p:spPr>
           <a:xfrm>
-            <a:off x="2021692" y="476672"/>
-            <a:ext cx="4836324" cy="1538883"/>
+            <a:off x="827105" y="476672"/>
+            <a:ext cx="7225504" cy="1538883"/>
           </a:xfrm>
           <a:prstGeom prst="rect">
             <a:avLst/>
@@ -4357,6 +4358,24 @@
                 <a:latin typeface="+mj-lt"/>
               </a:rPr>
               <a:t>Realizzare </a:t>
+            </a:r>
+            <a:r>
+              <a:rPr lang="it-IT" sz="4800" b="1" dirty="0" smtClean="0">
+                <a:latin typeface="+mj-lt"/>
+              </a:rPr>
+              <a:t>il </a:t>
+            </a:r>
+            <a:r>
+              <a:rPr lang="it-IT" sz="4800" b="1" dirty="0" err="1" smtClean="0">
+                <a:latin typeface="+mj-lt"/>
+              </a:rPr>
+              <a:t>layer</a:t>
+            </a:r>
+            <a:r>
+              <a:rPr lang="it-IT" sz="4800" b="1" dirty="0" smtClean="0">
+                <a:latin typeface="+mj-lt"/>
+              </a:rPr>
+              <a:t> di </a:t>
             </a:r>
             <a:r>
               <a:rPr lang="it-IT" sz="4800" b="1" dirty="0" err="1" smtClean="0">
@@ -4664,7 +4683,7 @@
     </p:spTree>
     <p:extLst>
       <p:ext uri="{BB962C8B-B14F-4D97-AF65-F5344CB8AC3E}">
-        <p14:creationId xmlns="" xmlns:p14="http://schemas.microsoft.com/office/powerpoint/2010/main" val="155874689"/>
+        <p14:creationId xmlns:p14="http://schemas.microsoft.com/office/powerpoint/2010/main" xmlns="" val="155874689"/>
       </p:ext>
     </p:extLst>
   </p:cSld>
@@ -4672,7 +4691,7 @@
     <a:masterClrMapping/>
   </p:clrMapOvr>
   <mc:AlternateContent xmlns:mc="http://schemas.openxmlformats.org/markup-compatibility/2006">
-    <mc:Choice xmlns="" xmlns:p14="http://schemas.microsoft.com/office/powerpoint/2010/main" Requires="p14">
+    <mc:Choice xmlns:p14="http://schemas.microsoft.com/office/powerpoint/2010/main" xmlns="" Requires="p14">
       <p:transition spd="slow" p14:dur="2000"/>
     </mc:Choice>
     <mc:Fallback>
@@ -5073,7 +5092,7 @@
     </p:spTree>
     <p:extLst>
       <p:ext uri="{BB962C8B-B14F-4D97-AF65-F5344CB8AC3E}">
-        <p14:creationId xmlns="" xmlns:p14="http://schemas.microsoft.com/office/powerpoint/2010/main" val="155874689"/>
+        <p14:creationId xmlns:p14="http://schemas.microsoft.com/office/powerpoint/2010/main" xmlns="" val="155874689"/>
       </p:ext>
     </p:extLst>
   </p:cSld>
@@ -5081,7 +5100,307 @@
     <a:masterClrMapping/>
   </p:clrMapOvr>
   <mc:AlternateContent xmlns:mc="http://schemas.openxmlformats.org/markup-compatibility/2006">
-    <mc:Choice xmlns="" xmlns:p14="http://schemas.microsoft.com/office/powerpoint/2010/main" Requires="p14">
+    <mc:Choice xmlns:p14="http://schemas.microsoft.com/office/powerpoint/2010/main" xmlns="" Requires="p14">
+      <p:transition spd="slow" p14:dur="2000"/>
+    </mc:Choice>
+    <mc:Fallback>
+      <p:transition spd="slow"/>
+    </mc:Fallback>
+  </mc:AlternateContent>
+  <p:timing>
+    <p:tnLst>
+      <p:par>
+        <p:cTn id="1" dur="indefinite" restart="never" nodeType="tmRoot"/>
+      </p:par>
+    </p:tnLst>
+  </p:timing>
+</p:sld>
+</file>
+
+<file path=ppt/slides/slide11.xml><?xml version="1.0" encoding="utf-8"?>
+<p:sld xmlns:a="http://schemas.openxmlformats.org/drawingml/2006/main" xmlns:r="http://schemas.openxmlformats.org/officeDocument/2006/relationships" xmlns:p="http://schemas.openxmlformats.org/presentationml/2006/main">
+  <p:cSld>
+    <p:spTree>
+      <p:nvGrpSpPr>
+        <p:cNvPr id="1" name=""/>
+        <p:cNvGrpSpPr/>
+        <p:nvPr/>
+      </p:nvGrpSpPr>
+      <p:grpSpPr>
+        <a:xfrm>
+          <a:off x="0" y="0"/>
+          <a:ext cx="0" cy="0"/>
+          <a:chOff x="0" y="0"/>
+          <a:chExt cx="0" cy="0"/>
+        </a:xfrm>
+      </p:grpSpPr>
+      <p:sp>
+        <p:nvSpPr>
+          <p:cNvPr id="2" name="CasellaDiTesto 1"/>
+          <p:cNvSpPr txBox="1"/>
+          <p:nvPr/>
+        </p:nvSpPr>
+        <p:spPr>
+          <a:xfrm>
+            <a:off x="1662364" y="428604"/>
+            <a:ext cx="5767156" cy="1538883"/>
+          </a:xfrm>
+          <a:prstGeom prst="rect">
+            <a:avLst/>
+          </a:prstGeom>
+          <a:noFill/>
+        </p:spPr>
+        <p:txBody>
+          <a:bodyPr wrap="none" rtlCol="0">
+            <a:spAutoFit/>
+          </a:bodyPr>
+          <a:lstStyle/>
+          <a:p>
+            <a:pPr algn="ctr"/>
+            <a:r>
+              <a:rPr lang="it-IT" sz="4800" b="1" dirty="0" smtClean="0">
+                <a:latin typeface="+mj-lt"/>
+              </a:rPr>
+              <a:t>Progettazione pattern</a:t>
+            </a:r>
+          </a:p>
+          <a:p>
+            <a:pPr algn="ctr"/>
+            <a:r>
+              <a:rPr lang="it-IT" sz="2800" b="1" dirty="0" smtClean="0">
+                <a:latin typeface="+mj-lt"/>
+              </a:rPr>
+              <a:t>Descrizione breve delle classi</a:t>
+            </a:r>
+          </a:p>
+          <a:p>
+            <a:pPr algn="ctr"/>
+            <a:endParaRPr lang="it-IT" dirty="0">
+              <a:latin typeface="+mj-lt"/>
+            </a:endParaRPr>
+          </a:p>
+        </p:txBody>
+      </p:sp>
+      <p:sp>
+        <p:nvSpPr>
+          <p:cNvPr id="10" name="Content Placeholder 3"/>
+          <p:cNvSpPr txBox="1">
+            <a:spLocks/>
+          </p:cNvSpPr>
+          <p:nvPr/>
+        </p:nvSpPr>
+        <p:spPr>
+          <a:xfrm>
+            <a:off x="323528" y="1795352"/>
+            <a:ext cx="8177562" cy="4634044"/>
+          </a:xfrm>
+          <a:prstGeom prst="rect">
+            <a:avLst/>
+          </a:prstGeom>
+        </p:spPr>
+        <p:txBody>
+          <a:bodyPr tIns="0"/>
+          <a:lstStyle>
+            <a:lvl1pPr marL="274320" indent="-274320" algn="l" rtl="0" eaLnBrk="1" latinLnBrk="0" hangingPunct="1">
+              <a:spcBef>
+                <a:spcPct val="20000"/>
+              </a:spcBef>
+              <a:buClrTx/>
+              <a:buSzPct val="95000"/>
+              <a:buFont typeface="Wingdings" pitchFamily="2" charset="2"/>
+              <a:buChar char="v"/>
+              <a:defRPr kumimoji="0" sz="2800" kern="1200">
+                <a:solidFill>
+                  <a:schemeClr val="tx1"/>
+                </a:solidFill>
+                <a:latin typeface="+mn-lt"/>
+                <a:ea typeface="+mn-ea"/>
+                <a:cs typeface="+mn-cs"/>
+              </a:defRPr>
+            </a:lvl1pPr>
+            <a:lvl2pPr marL="640080" indent="-246888" algn="l" rtl="0" eaLnBrk="1" latinLnBrk="0" hangingPunct="1">
+              <a:spcBef>
+                <a:spcPct val="20000"/>
+              </a:spcBef>
+              <a:buClrTx/>
+              <a:buSzPct val="85000"/>
+              <a:buFont typeface="Courier New" pitchFamily="49" charset="0"/>
+              <a:buChar char="o"/>
+              <a:defRPr kumimoji="0" sz="2600" kern="1200">
+                <a:solidFill>
+                  <a:schemeClr val="tx1"/>
+                </a:solidFill>
+                <a:latin typeface="+mn-lt"/>
+                <a:ea typeface="+mn-ea"/>
+                <a:cs typeface="+mn-cs"/>
+              </a:defRPr>
+            </a:lvl2pPr>
+            <a:lvl3pPr marL="914400" indent="-246888" algn="l" rtl="0" eaLnBrk="1" latinLnBrk="0" hangingPunct="1">
+              <a:spcBef>
+                <a:spcPct val="20000"/>
+              </a:spcBef>
+              <a:buClrTx/>
+              <a:buSzPct val="70000"/>
+              <a:buFont typeface="Wingdings 2"/>
+              <a:buChar char=""/>
+              <a:defRPr kumimoji="0" sz="2400" kern="1200">
+                <a:solidFill>
+                  <a:schemeClr val="tx1"/>
+                </a:solidFill>
+                <a:latin typeface="+mn-lt"/>
+                <a:ea typeface="+mn-ea"/>
+                <a:cs typeface="+mn-cs"/>
+              </a:defRPr>
+            </a:lvl3pPr>
+            <a:lvl4pPr marL="1188720" indent="-210312" algn="l" rtl="0" eaLnBrk="1" latinLnBrk="0" hangingPunct="1">
+              <a:spcBef>
+                <a:spcPct val="20000"/>
+              </a:spcBef>
+              <a:buClrTx/>
+              <a:buSzPct val="65000"/>
+              <a:buFont typeface="Wingdings 2"/>
+              <a:buChar char=""/>
+              <a:defRPr kumimoji="0" sz="2000" kern="1200">
+                <a:solidFill>
+                  <a:schemeClr val="tx1"/>
+                </a:solidFill>
+                <a:latin typeface="+mn-lt"/>
+                <a:ea typeface="+mn-ea"/>
+                <a:cs typeface="+mn-cs"/>
+              </a:defRPr>
+            </a:lvl4pPr>
+            <a:lvl5pPr marL="1463040" indent="-210312" algn="l" rtl="0" eaLnBrk="1" latinLnBrk="0" hangingPunct="1">
+              <a:spcBef>
+                <a:spcPct val="20000"/>
+              </a:spcBef>
+              <a:buClrTx/>
+              <a:buSzPct val="65000"/>
+              <a:buFont typeface="Wingdings 2"/>
+              <a:buChar char=""/>
+              <a:defRPr kumimoji="0" sz="1800" kern="1200">
+                <a:solidFill>
+                  <a:schemeClr val="tx1"/>
+                </a:solidFill>
+                <a:latin typeface="+mn-lt"/>
+                <a:ea typeface="+mn-ea"/>
+                <a:cs typeface="+mn-cs"/>
+              </a:defRPr>
+            </a:lvl5pPr>
+            <a:lvl6pPr marL="1737360" indent="-210312" algn="l" rtl="0" eaLnBrk="1" latinLnBrk="0" hangingPunct="1">
+              <a:spcBef>
+                <a:spcPct val="20000"/>
+              </a:spcBef>
+              <a:buClr>
+                <a:schemeClr val="accent5"/>
+              </a:buClr>
+              <a:buSzPct val="80000"/>
+              <a:buFont typeface="Wingdings 2"/>
+              <a:buChar char=""/>
+              <a:defRPr kumimoji="0" sz="1800" kern="1200">
+                <a:solidFill>
+                  <a:schemeClr val="tx1"/>
+                </a:solidFill>
+                <a:latin typeface="+mn-lt"/>
+                <a:ea typeface="+mn-ea"/>
+                <a:cs typeface="+mn-cs"/>
+              </a:defRPr>
+            </a:lvl6pPr>
+            <a:lvl7pPr marL="1920240" indent="-182880" algn="l" rtl="0" eaLnBrk="1" latinLnBrk="0" hangingPunct="1">
+              <a:spcBef>
+                <a:spcPct val="20000"/>
+              </a:spcBef>
+              <a:buClr>
+                <a:schemeClr val="accent6"/>
+              </a:buClr>
+              <a:buSzPct val="80000"/>
+              <a:buFont typeface="Wingdings 2"/>
+              <a:buChar char=""/>
+              <a:defRPr kumimoji="0" sz="1600" kern="1200" baseline="0">
+                <a:solidFill>
+                  <a:schemeClr val="tx1"/>
+                </a:solidFill>
+                <a:latin typeface="+mn-lt"/>
+                <a:ea typeface="+mn-ea"/>
+                <a:cs typeface="+mn-cs"/>
+              </a:defRPr>
+            </a:lvl7pPr>
+            <a:lvl8pPr marL="2194560" indent="-182880" algn="l" rtl="0" eaLnBrk="1" latinLnBrk="0" hangingPunct="1">
+              <a:spcBef>
+                <a:spcPct val="20000"/>
+              </a:spcBef>
+              <a:buClr>
+                <a:schemeClr val="tx2"/>
+              </a:buClr>
+              <a:buChar char="•"/>
+              <a:defRPr kumimoji="0" sz="1600" kern="1200">
+                <a:solidFill>
+                  <a:schemeClr val="tx1"/>
+                </a:solidFill>
+                <a:latin typeface="+mn-lt"/>
+                <a:ea typeface="+mn-ea"/>
+                <a:cs typeface="+mn-cs"/>
+              </a:defRPr>
+            </a:lvl8pPr>
+            <a:lvl9pPr marL="2468880" indent="-182880" algn="l" rtl="0" eaLnBrk="1" latinLnBrk="0" hangingPunct="1">
+              <a:spcBef>
+                <a:spcPct val="20000"/>
+              </a:spcBef>
+              <a:buClr>
+                <a:schemeClr val="tx2"/>
+              </a:buClr>
+              <a:buFontTx/>
+              <a:buChar char="•"/>
+              <a:defRPr kumimoji="0" sz="1400" kern="1200" baseline="0">
+                <a:solidFill>
+                  <a:schemeClr val="tx1"/>
+                </a:solidFill>
+                <a:latin typeface="+mn-lt"/>
+                <a:ea typeface="+mn-ea"/>
+                <a:cs typeface="+mn-cs"/>
+              </a:defRPr>
+            </a:lvl9pPr>
+          </a:lstStyle>
+          <a:p>
+            <a:r>
+              <a:rPr lang="it-IT" b="1" dirty="0" err="1" smtClean="0"/>
+              <a:t>DbBeansInterface</a:t>
+            </a:r>
+            <a:r>
+              <a:rPr lang="it-IT" dirty="0" smtClean="0"/>
+              <a:t> </a:t>
+            </a:r>
+            <a:r>
+              <a:rPr lang="it-IT" dirty="0" smtClean="0"/>
+              <a:t>è una </a:t>
+            </a:r>
+            <a:r>
+              <a:rPr lang="it-IT" dirty="0" smtClean="0"/>
+              <a:t>interfaccia in cui sono dichiarati i metodi necessari ai fini di un corretto funzionamento del </a:t>
+            </a:r>
+            <a:r>
+              <a:rPr lang="it-IT" dirty="0" err="1" smtClean="0"/>
+              <a:t>framework</a:t>
+            </a:r>
+            <a:r>
+              <a:rPr lang="it-IT" dirty="0" smtClean="0"/>
+              <a:t>  </a:t>
+            </a:r>
+            <a:endParaRPr lang="it-IT" dirty="0" smtClean="0"/>
+          </a:p>
+        </p:txBody>
+      </p:sp>
+    </p:spTree>
+    <p:extLst>
+      <p:ext uri="{BB962C8B-B14F-4D97-AF65-F5344CB8AC3E}">
+        <p14:creationId xmlns:p14="http://schemas.microsoft.com/office/powerpoint/2010/main" xmlns="" val="155874689"/>
+      </p:ext>
+    </p:extLst>
+  </p:cSld>
+  <p:clrMapOvr>
+    <a:masterClrMapping/>
+  </p:clrMapOvr>
+  <mc:AlternateContent xmlns:mc="http://schemas.openxmlformats.org/markup-compatibility/2006">
+    <mc:Choice xmlns:p14="http://schemas.microsoft.com/office/powerpoint/2010/main" xmlns="" Requires="p14">
       <p:transition spd="slow" p14:dur="2000"/>
     </mc:Choice>
     <mc:Fallback>
@@ -5455,7 +5774,7 @@
     </p:spTree>
     <p:extLst>
       <p:ext uri="{BB962C8B-B14F-4D97-AF65-F5344CB8AC3E}">
-        <p14:creationId xmlns="" xmlns:p14="http://schemas.microsoft.com/office/powerpoint/2010/main" val="155874689"/>
+        <p14:creationId xmlns:p14="http://schemas.microsoft.com/office/powerpoint/2010/main" xmlns="" val="155874689"/>
       </p:ext>
     </p:extLst>
   </p:cSld>
@@ -5463,7 +5782,7 @@
     <a:masterClrMapping/>
   </p:clrMapOvr>
   <mc:AlternateContent xmlns:mc="http://schemas.openxmlformats.org/markup-compatibility/2006">
-    <mc:Choice xmlns="" xmlns:p14="http://schemas.microsoft.com/office/powerpoint/2010/main" Requires="p14">
+    <mc:Choice xmlns:p14="http://schemas.microsoft.com/office/powerpoint/2010/main" xmlns="" Requires="p14">
       <p:transition spd="slow" p14:dur="2000"/>
     </mc:Choice>
     <mc:Fallback>
@@ -5767,7 +6086,7 @@
     </p:spTree>
     <p:extLst>
       <p:ext uri="{BB962C8B-B14F-4D97-AF65-F5344CB8AC3E}">
-        <p14:creationId xmlns="" xmlns:p14="http://schemas.microsoft.com/office/powerpoint/2010/main" val="155874689"/>
+        <p14:creationId xmlns:p14="http://schemas.microsoft.com/office/powerpoint/2010/main" xmlns="" val="155874689"/>
       </p:ext>
     </p:extLst>
   </p:cSld>
@@ -5775,7 +6094,7 @@
     <a:masterClrMapping/>
   </p:clrMapOvr>
   <mc:AlternateContent xmlns:mc="http://schemas.openxmlformats.org/markup-compatibility/2006">
-    <mc:Choice xmlns="" xmlns:p14="http://schemas.microsoft.com/office/powerpoint/2010/main" Requires="p14">
+    <mc:Choice xmlns:p14="http://schemas.microsoft.com/office/powerpoint/2010/main" xmlns="" Requires="p14">
       <p:transition spd="slow" p14:dur="2000"/>
     </mc:Choice>
     <mc:Fallback>
@@ -6316,7 +6635,7 @@
     </p:spTree>
     <p:extLst>
       <p:ext uri="{BB962C8B-B14F-4D97-AF65-F5344CB8AC3E}">
-        <p14:creationId xmlns="" xmlns:p14="http://schemas.microsoft.com/office/powerpoint/2010/main" val="155874689"/>
+        <p14:creationId xmlns:p14="http://schemas.microsoft.com/office/powerpoint/2010/main" xmlns="" val="155874689"/>
       </p:ext>
     </p:extLst>
   </p:cSld>
@@ -6324,7 +6643,7 @@
     <a:masterClrMapping/>
   </p:clrMapOvr>
   <mc:AlternateContent xmlns:mc="http://schemas.openxmlformats.org/markup-compatibility/2006">
-    <mc:Choice xmlns="" xmlns:p14="http://schemas.microsoft.com/office/powerpoint/2010/main" Requires="p14">
+    <mc:Choice xmlns:p14="http://schemas.microsoft.com/office/powerpoint/2010/main" xmlns="" Requires="p14">
       <p:transition spd="slow" p14:dur="2000"/>
     </mc:Choice>
     <mc:Fallback>
@@ -6508,7 +6827,7 @@
     </p:spTree>
     <p:extLst>
       <p:ext uri="{BB962C8B-B14F-4D97-AF65-F5344CB8AC3E}">
-        <p14:creationId xmlns="" xmlns:p14="http://schemas.microsoft.com/office/powerpoint/2010/main" val="155874689"/>
+        <p14:creationId xmlns:p14="http://schemas.microsoft.com/office/powerpoint/2010/main" xmlns="" val="155874689"/>
       </p:ext>
     </p:extLst>
   </p:cSld>
@@ -6516,7 +6835,7 @@
     <a:masterClrMapping/>
   </p:clrMapOvr>
   <mc:AlternateContent xmlns:mc="http://schemas.openxmlformats.org/markup-compatibility/2006">
-    <mc:Choice xmlns="" xmlns:p14="http://schemas.microsoft.com/office/powerpoint/2010/main" Requires="p14">
+    <mc:Choice xmlns:p14="http://schemas.microsoft.com/office/powerpoint/2010/main" xmlns="" Requires="p14">
       <p:transition spd="slow" p14:dur="2000"/>
     </mc:Choice>
     <mc:Fallback>
@@ -6839,7 +7158,7 @@
     </p:spTree>
     <p:extLst>
       <p:ext uri="{BB962C8B-B14F-4D97-AF65-F5344CB8AC3E}">
-        <p14:creationId xmlns="" xmlns:p14="http://schemas.microsoft.com/office/powerpoint/2010/main" val="155874689"/>
+        <p14:creationId xmlns:p14="http://schemas.microsoft.com/office/powerpoint/2010/main" xmlns="" val="155874689"/>
       </p:ext>
     </p:extLst>
   </p:cSld>
@@ -6847,7 +7166,7 @@
     <a:masterClrMapping/>
   </p:clrMapOvr>
   <mc:AlternateContent xmlns:mc="http://schemas.openxmlformats.org/markup-compatibility/2006">
-    <mc:Choice xmlns="" xmlns:p14="http://schemas.microsoft.com/office/powerpoint/2010/main" Requires="p14">
+    <mc:Choice xmlns:p14="http://schemas.microsoft.com/office/powerpoint/2010/main" xmlns="" Requires="p14">
       <p:transition spd="slow" p14:dur="2000"/>
     </mc:Choice>
     <mc:Fallback>
@@ -6889,8 +7208,8 @@
         </p:nvSpPr>
         <p:spPr>
           <a:xfrm>
-            <a:off x="1662364" y="428604"/>
-            <a:ext cx="5767156" cy="1538883"/>
+            <a:off x="1432879" y="428604"/>
+            <a:ext cx="6226128" cy="1538883"/>
           </a:xfrm>
           <a:prstGeom prst="rect">
             <a:avLst/>
@@ -6917,8 +7236,17 @@
               <a:rPr lang="it-IT" sz="2800" b="1" dirty="0" smtClean="0">
                 <a:latin typeface="+mj-lt"/>
               </a:rPr>
-              <a:t>Diagramma delle classi</a:t>
-            </a:r>
+              <a:t>Diagramma delle </a:t>
+            </a:r>
+            <a:r>
+              <a:rPr lang="it-IT" sz="2800" b="1" dirty="0" smtClean="0">
+                <a:latin typeface="+mj-lt"/>
+              </a:rPr>
+              <a:t>classi- DA MODIFICARE</a:t>
+            </a:r>
+            <a:endParaRPr lang="it-IT" sz="2800" b="1" dirty="0" smtClean="0">
+              <a:latin typeface="+mj-lt"/>
+            </a:endParaRPr>
           </a:p>
           <a:p>
             <a:pPr algn="ctr"/>
@@ -7111,18 +7439,48 @@
             <a:pPr>
               <a:buNone/>
             </a:pPr>
-            <a:r>
-              <a:rPr lang="it-IT" dirty="0" smtClean="0"/>
-              <a:t>Qui andrà il diagramma delle classi</a:t>
-            </a:r>
             <a:endParaRPr lang="it-IT" dirty="0" smtClean="0"/>
           </a:p>
         </p:txBody>
       </p:sp>
+      <p:pic>
+        <p:nvPicPr>
+          <p:cNvPr id="4" name="Immagine 3" descr="DbBeans.png"/>
+          <p:cNvPicPr>
+            <a:picLocks noChangeAspect="1"/>
+          </p:cNvPicPr>
+          <p:nvPr/>
+        </p:nvPicPr>
+        <p:blipFill>
+          <a:blip r:embed="rId2" cstate="print"/>
+          <a:stretch>
+            <a:fillRect/>
+          </a:stretch>
+        </p:blipFill>
+        <p:spPr>
+          <a:xfrm>
+            <a:off x="539552" y="1756939"/>
+            <a:ext cx="7992888" cy="4552381"/>
+          </a:xfrm>
+          <a:prstGeom prst="rect">
+            <a:avLst/>
+          </a:prstGeom>
+          <a:ln>
+            <a:noFill/>
+          </a:ln>
+          <a:effectLst>
+            <a:outerShdw blurRad="292100" dist="139700" dir="2700000" algn="tl" rotWithShape="0">
+              <a:srgbClr val="333333">
+                <a:alpha val="65000"/>
+              </a:srgbClr>
+            </a:outerShdw>
+          </a:effectLst>
+        </p:spPr>
+      </p:pic>
     </p:spTree>
     <p:extLst>
       <p:ext uri="{BB962C8B-B14F-4D97-AF65-F5344CB8AC3E}">
-        <p14:creationId xmlns="" xmlns:p14="http://schemas.microsoft.com/office/powerpoint/2010/main" val="155874689"/>
+        <p14:creationId xmlns:p14="http://schemas.microsoft.com/office/powerpoint/2010/main" xmlns="" val="155874689"/>
       </p:ext>
     </p:extLst>
   </p:cSld>
@@ -7130,7 +7488,7 @@
     <a:masterClrMapping/>
   </p:clrMapOvr>
   <mc:AlternateContent xmlns:mc="http://schemas.openxmlformats.org/markup-compatibility/2006">
-    <mc:Choice xmlns="" xmlns:p14="http://schemas.microsoft.com/office/powerpoint/2010/main" Requires="p14">
+    <mc:Choice xmlns:p14="http://schemas.microsoft.com/office/powerpoint/2010/main" xmlns="" Requires="p14">
       <p:transition spd="slow" p14:dur="2000"/>
     </mc:Choice>
     <mc:Fallback>
@@ -7197,11 +7555,38 @@
           <a:p>
             <a:pPr algn="ctr"/>
             <a:r>
+              <a:rPr lang="it-IT" sz="2800" b="1" dirty="0" err="1" smtClean="0">
+                <a:latin typeface="+mj-lt"/>
+              </a:rPr>
+              <a:t>DbBeans</a:t>
+            </a:r>
+            <a:r>
               <a:rPr lang="it-IT" sz="2800" b="1" dirty="0" smtClean="0">
                 <a:latin typeface="+mj-lt"/>
               </a:rPr>
-              <a:t>Descrizione breve delle classi</a:t>
-            </a:r>
+              <a:t> </a:t>
+            </a:r>
+            <a:r>
+              <a:rPr lang="it-IT" sz="2800" b="1" dirty="0" err="1" smtClean="0">
+                <a:latin typeface="+mj-lt"/>
+              </a:rPr>
+              <a:t>adapter</a:t>
+            </a:r>
+            <a:r>
+              <a:rPr lang="it-IT" sz="2800" b="1" dirty="0" smtClean="0">
+                <a:latin typeface="+mj-lt"/>
+              </a:rPr>
+              <a:t> del </a:t>
+            </a:r>
+            <a:r>
+              <a:rPr lang="it-IT" sz="2800" b="1" dirty="0" err="1" smtClean="0">
+                <a:latin typeface="+mj-lt"/>
+              </a:rPr>
+              <a:t>framework</a:t>
+            </a:r>
+            <a:endParaRPr lang="it-IT" sz="2800" b="1" dirty="0" smtClean="0">
+              <a:latin typeface="+mj-lt"/>
+            </a:endParaRPr>
           </a:p>
           <a:p>
             <a:pPr algn="ctr"/>
@@ -7391,82 +7776,29 @@
             </a:lvl9pPr>
           </a:lstStyle>
           <a:p>
-            <a:r>
-              <a:rPr lang="it-IT" b="1" dirty="0" err="1" smtClean="0"/>
-              <a:t>ManagerDB</a:t>
-            </a:r>
-            <a:r>
-              <a:rPr lang="it-IT" dirty="0" smtClean="0"/>
-              <a:t>: è l'interfaccia che contiene i metodi che si useranno per gestire una qualunque </a:t>
-            </a:r>
-          </a:p>
-          <a:p>
             <a:pPr>
               <a:buNone/>
             </a:pPr>
             <a:r>
-              <a:rPr lang="it-IT" dirty="0" smtClean="0"/>
-              <a:t>	tabella del database. Nel nostro caso vi è un'unica classe(Tabella) che implementa </a:t>
-            </a:r>
-            <a:r>
-              <a:rPr lang="it-IT" i="1" dirty="0" err="1" smtClean="0"/>
-              <a:t>ManagerDB</a:t>
-            </a:r>
-            <a:r>
-              <a:rPr lang="it-IT" dirty="0" smtClean="0"/>
-              <a:t>.</a:t>
-            </a:r>
-          </a:p>
-          <a:p>
-            <a:r>
-              <a:rPr lang="it-IT" dirty="0" smtClean="0"/>
-              <a:t>La classe </a:t>
-            </a:r>
-            <a:r>
               <a:rPr lang="it-IT" b="1" dirty="0" smtClean="0"/>
-              <a:t>Tabella</a:t>
-            </a:r>
-            <a:r>
-              <a:rPr lang="it-IT" dirty="0" smtClean="0"/>
-              <a:t> ha al suo interno un oggetto </a:t>
-            </a:r>
-            <a:r>
-              <a:rPr lang="it-IT" i="1" dirty="0" smtClean="0"/>
-              <a:t>Database</a:t>
-            </a:r>
-            <a:r>
-              <a:rPr lang="it-IT" dirty="0" smtClean="0"/>
-              <a:t>.</a:t>
-            </a:r>
-          </a:p>
-          <a:p>
-            <a:r>
-              <a:rPr lang="it-IT" dirty="0" smtClean="0"/>
-              <a:t>La classe </a:t>
+              <a:t>DESCRIZIONE </a:t>
+            </a:r>
+            <a:r>
+              <a:rPr lang="it-IT" b="1" dirty="0" err="1" smtClean="0"/>
+              <a:t>ADpter</a:t>
             </a:r>
             <a:r>
               <a:rPr lang="it-IT" b="1" dirty="0" smtClean="0"/>
-              <a:t>Database</a:t>
-            </a:r>
-            <a:r>
-              <a:rPr lang="it-IT" dirty="0" smtClean="0"/>
-              <a:t> si occupa di gestire la connessione al database ed al suo interno contiene dei metodi generici per eseguire delle </a:t>
-            </a:r>
-            <a:r>
-              <a:rPr lang="it-IT" dirty="0" err="1" smtClean="0"/>
-              <a:t>query</a:t>
-            </a:r>
-            <a:r>
-              <a:rPr lang="it-IT" dirty="0" smtClean="0"/>
-              <a:t> sul database del sistema.</a:t>
-            </a:r>
+              <a:t>?</a:t>
+            </a:r>
+            <a:endParaRPr lang="it-IT" dirty="0" smtClean="0"/>
           </a:p>
         </p:txBody>
       </p:sp>
     </p:spTree>
     <p:extLst>
       <p:ext uri="{BB962C8B-B14F-4D97-AF65-F5344CB8AC3E}">
-        <p14:creationId xmlns="" xmlns:p14="http://schemas.microsoft.com/office/powerpoint/2010/main" val="155874689"/>
+        <p14:creationId xmlns:p14="http://schemas.microsoft.com/office/powerpoint/2010/main" xmlns="" val="155874689"/>
       </p:ext>
     </p:extLst>
   </p:cSld>
@@ -7474,7 +7806,7 @@
     <a:masterClrMapping/>
   </p:clrMapOvr>
   <mc:AlternateContent xmlns:mc="http://schemas.openxmlformats.org/markup-compatibility/2006">
-    <mc:Choice xmlns="" xmlns:p14="http://schemas.microsoft.com/office/powerpoint/2010/main" Requires="p14">
+    <mc:Choice xmlns:p14="http://schemas.microsoft.com/office/powerpoint/2010/main" xmlns="" Requires="p14">
       <p:transition spd="slow" p14:dur="2000"/>
     </mc:Choice>
     <mc:Fallback>
@@ -7810,7 +8142,7 @@
     </p:spTree>
     <p:extLst>
       <p:ext uri="{BB962C8B-B14F-4D97-AF65-F5344CB8AC3E}">
-        <p14:creationId xmlns="" xmlns:p14="http://schemas.microsoft.com/office/powerpoint/2010/main" val="155874689"/>
+        <p14:creationId xmlns:p14="http://schemas.microsoft.com/office/powerpoint/2010/main" xmlns="" val="155874689"/>
       </p:ext>
     </p:extLst>
   </p:cSld>
@@ -7818,7 +8150,7 @@
     <a:masterClrMapping/>
   </p:clrMapOvr>
   <mc:AlternateContent xmlns:mc="http://schemas.openxmlformats.org/markup-compatibility/2006">
-    <mc:Choice xmlns="" xmlns:p14="http://schemas.microsoft.com/office/powerpoint/2010/main" Requires="p14">
+    <mc:Choice xmlns:p14="http://schemas.microsoft.com/office/powerpoint/2010/main" xmlns="" Requires="p14">
       <p:transition spd="slow" p14:dur="2000"/>
     </mc:Choice>
     <mc:Fallback>

--- a/trunk/Presentazione/Atsilo1/Scafuro/[BOZZA] Presentazione framework.pptx
+++ b/trunk/Presentazione/Atsilo1/Scafuro/[BOZZA] Presentazione framework.pptx
@@ -5,7 +5,7 @@
     <p:sldMasterId id="2147483684" r:id="rId1"/>
   </p:sldMasterIdLst>
   <p:notesMasterIdLst>
-    <p:notesMasterId r:id="rId13"/>
+    <p:notesMasterId r:id="rId16"/>
   </p:notesMasterIdLst>
   <p:sldIdLst>
     <p:sldId id="260" r:id="rId2"/>
@@ -15,10 +15,13 @@
     <p:sldId id="265" r:id="rId6"/>
     <p:sldId id="266" r:id="rId7"/>
     <p:sldId id="267" r:id="rId8"/>
-    <p:sldId id="268" r:id="rId9"/>
-    <p:sldId id="272" r:id="rId10"/>
+    <p:sldId id="272" r:id="rId9"/>
+    <p:sldId id="271" r:id="rId10"/>
     <p:sldId id="270" r:id="rId11"/>
-    <p:sldId id="271" r:id="rId12"/>
+    <p:sldId id="273" r:id="rId12"/>
+    <p:sldId id="274" r:id="rId13"/>
+    <p:sldId id="276" r:id="rId14"/>
+    <p:sldId id="275" r:id="rId15"/>
   </p:sldIdLst>
   <p:sldSz cx="9144000" cy="6858000" type="screen4x3"/>
   <p:notesSz cx="6858000" cy="9144000"/>
@@ -203,7 +206,7 @@
             <a:fld id="{38D78F4D-402C-46E0-A4BB-DF91EA86B14C}" type="datetimeFigureOut">
               <a:rPr lang="it-IT" smtClean="0"/>
               <a:pPr/>
-              <a:t>27/12/2012</a:t>
+              <a:t>28/12/2012</a:t>
             </a:fld>
             <a:endParaRPr lang="it-IT"/>
           </a:p>
@@ -638,7 +641,7 @@
             <a:fld id="{63CABBC0-75E4-43BB-A6A6-84C2A96BDB82}" type="datetimeFigureOut">
               <a:rPr lang="it-IT" smtClean="0"/>
               <a:pPr/>
-              <a:t>27/12/2012</a:t>
+              <a:t>28/12/2012</a:t>
             </a:fld>
             <a:endParaRPr lang="it-IT"/>
           </a:p>
@@ -820,7 +823,7 @@
             <a:fld id="{63CABBC0-75E4-43BB-A6A6-84C2A96BDB82}" type="datetimeFigureOut">
               <a:rPr lang="it-IT" smtClean="0"/>
               <a:pPr/>
-              <a:t>27/12/2012</a:t>
+              <a:t>28/12/2012</a:t>
             </a:fld>
             <a:endParaRPr lang="it-IT"/>
           </a:p>
@@ -1012,7 +1015,7 @@
             <a:fld id="{63CABBC0-75E4-43BB-A6A6-84C2A96BDB82}" type="datetimeFigureOut">
               <a:rPr lang="it-IT" smtClean="0"/>
               <a:pPr/>
-              <a:t>27/12/2012</a:t>
+              <a:t>28/12/2012</a:t>
             </a:fld>
             <a:endParaRPr lang="it-IT"/>
           </a:p>
@@ -1194,7 +1197,7 @@
             <a:fld id="{63CABBC0-75E4-43BB-A6A6-84C2A96BDB82}" type="datetimeFigureOut">
               <a:rPr lang="it-IT" smtClean="0"/>
               <a:pPr/>
-              <a:t>27/12/2012</a:t>
+              <a:t>28/12/2012</a:t>
             </a:fld>
             <a:endParaRPr lang="it-IT"/>
           </a:p>
@@ -1437,7 +1440,7 @@
             <a:fld id="{63CABBC0-75E4-43BB-A6A6-84C2A96BDB82}" type="datetimeFigureOut">
               <a:rPr lang="it-IT" smtClean="0"/>
               <a:pPr/>
-              <a:t>27/12/2012</a:t>
+              <a:t>28/12/2012</a:t>
             </a:fld>
             <a:endParaRPr lang="it-IT"/>
           </a:p>
@@ -1718,7 +1721,7 @@
             <a:fld id="{63CABBC0-75E4-43BB-A6A6-84C2A96BDB82}" type="datetimeFigureOut">
               <a:rPr lang="it-IT" smtClean="0"/>
               <a:pPr/>
-              <a:t>27/12/2012</a:t>
+              <a:t>28/12/2012</a:t>
             </a:fld>
             <a:endParaRPr lang="it-IT"/>
           </a:p>
@@ -2109,7 +2112,7 @@
             <a:fld id="{63CABBC0-75E4-43BB-A6A6-84C2A96BDB82}" type="datetimeFigureOut">
               <a:rPr lang="it-IT" smtClean="0"/>
               <a:pPr/>
-              <a:t>27/12/2012</a:t>
+              <a:t>28/12/2012</a:t>
             </a:fld>
             <a:endParaRPr lang="it-IT"/>
           </a:p>
@@ -2268,7 +2271,7 @@
             <a:fld id="{63CABBC0-75E4-43BB-A6A6-84C2A96BDB82}" type="datetimeFigureOut">
               <a:rPr lang="it-IT" smtClean="0"/>
               <a:pPr/>
-              <a:t>27/12/2012</a:t>
+              <a:t>28/12/2012</a:t>
             </a:fld>
             <a:endParaRPr lang="it-IT"/>
           </a:p>
@@ -2367,7 +2370,7 @@
             <a:fld id="{63CABBC0-75E4-43BB-A6A6-84C2A96BDB82}" type="datetimeFigureOut">
               <a:rPr lang="it-IT" smtClean="0"/>
               <a:pPr/>
-              <a:t>27/12/2012</a:t>
+              <a:t>28/12/2012</a:t>
             </a:fld>
             <a:endParaRPr lang="it-IT"/>
           </a:p>
@@ -2637,7 +2640,7 @@
             <a:fld id="{63CABBC0-75E4-43BB-A6A6-84C2A96BDB82}" type="datetimeFigureOut">
               <a:rPr lang="it-IT" smtClean="0"/>
               <a:pPr/>
-              <a:t>27/12/2012</a:t>
+              <a:t>28/12/2012</a:t>
             </a:fld>
             <a:endParaRPr lang="it-IT"/>
           </a:p>
@@ -2934,7 +2937,7 @@
             <a:fld id="{63CABBC0-75E4-43BB-A6A6-84C2A96BDB82}" type="datetimeFigureOut">
               <a:rPr lang="it-IT" smtClean="0"/>
               <a:pPr/>
-              <a:t>27/12/2012</a:t>
+              <a:t>28/12/2012</a:t>
             </a:fld>
             <a:endParaRPr lang="it-IT"/>
           </a:p>
@@ -3714,7 +3717,7 @@
             <a:fld id="{63CABBC0-75E4-43BB-A6A6-84C2A96BDB82}" type="datetimeFigureOut">
               <a:rPr lang="it-IT" smtClean="0"/>
               <a:pPr/>
-              <a:t>27/12/2012</a:t>
+              <a:t>28/12/2012</a:t>
             </a:fld>
             <a:endParaRPr lang="it-IT"/>
           </a:p>
@@ -4357,13 +4360,7 @@
               <a:rPr lang="it-IT" sz="4800" b="1" dirty="0" smtClean="0">
                 <a:latin typeface="+mj-lt"/>
               </a:rPr>
-              <a:t>Realizzare </a:t>
-            </a:r>
-            <a:r>
-              <a:rPr lang="it-IT" sz="4800" b="1" dirty="0" smtClean="0">
-                <a:latin typeface="+mj-lt"/>
-              </a:rPr>
-              <a:t>il </a:t>
+              <a:t>Realizzare il </a:t>
             </a:r>
             <a:r>
               <a:rPr lang="it-IT" sz="4800" b="1" dirty="0" err="1" smtClean="0">
@@ -4593,7 +4590,7 @@
               <a:t>Inserire in “</a:t>
             </a:r>
             <a:r>
-              <a:rPr lang="it-IT" dirty="0" err="1" smtClean="0"/>
+              <a:rPr lang="it-IT" i="1" dirty="0" err="1" smtClean="0"/>
               <a:t>Storage</a:t>
             </a:r>
             <a:r>
@@ -4606,11 +4603,27 @@
             </a:r>
             <a:r>
               <a:rPr lang="it-IT" dirty="0" smtClean="0"/>
-              <a:t>, sulla base dati, al </a:t>
+              <a:t>, sulla base dati, </a:t>
+            </a:r>
+            <a:r>
+              <a:rPr lang="it-IT" dirty="0" smtClean="0"/>
+              <a:t>al </a:t>
             </a:r>
             <a:r>
               <a:rPr lang="it-IT" dirty="0" err="1" smtClean="0"/>
-              <a:t>control</a:t>
+              <a:t>layer</a:t>
+            </a:r>
+            <a:r>
+              <a:rPr lang="it-IT" dirty="0" smtClean="0"/>
+              <a:t> </a:t>
+            </a:r>
+            <a:r>
+              <a:rPr lang="it-IT" i="1" dirty="0" err="1" smtClean="0"/>
+              <a:t>C</a:t>
+            </a:r>
+            <a:r>
+              <a:rPr lang="it-IT" i="1" dirty="0" err="1" smtClean="0"/>
+              <a:t>ontrol</a:t>
             </a:r>
             <a:r>
               <a:rPr lang="it-IT" dirty="0" smtClean="0"/>
@@ -4627,7 +4640,7 @@
               <a:t>Realizzare classi in “</a:t>
             </a:r>
             <a:r>
-              <a:rPr lang="it-IT" dirty="0" err="1" smtClean="0"/>
+              <a:rPr lang="it-IT" i="1" dirty="0" err="1" smtClean="0"/>
               <a:t>Storage</a:t>
             </a:r>
             <a:r>
@@ -4653,7 +4666,7 @@
               <a:t>Trasformare “</a:t>
             </a:r>
             <a:r>
-              <a:rPr lang="it-IT" dirty="0" err="1" smtClean="0"/>
+              <a:rPr lang="it-IT" i="1" dirty="0" err="1" smtClean="0"/>
               <a:t>Storage</a:t>
             </a:r>
             <a:r>
@@ -4733,8 +4746,8 @@
         </p:nvSpPr>
         <p:spPr>
           <a:xfrm>
-            <a:off x="1662364" y="428604"/>
-            <a:ext cx="5767156" cy="1538883"/>
+            <a:off x="1170276" y="428604"/>
+            <a:ext cx="6751335" cy="1538883"/>
           </a:xfrm>
           <a:prstGeom prst="rect">
             <a:avLst/>
@@ -4758,11 +4771,18 @@
           <a:p>
             <a:pPr algn="ctr"/>
             <a:r>
-              <a:rPr lang="it-IT" sz="2800" b="1" dirty="0" smtClean="0">
-                <a:latin typeface="+mj-lt"/>
-              </a:rPr>
-              <a:t>Descrizione breve delle classi</a:t>
-            </a:r>
+              <a:rPr lang="it-IT" sz="2800" b="1" dirty="0" smtClean="0"/>
+              <a:t>Breve descrizione delle </a:t>
+            </a:r>
+            <a:r>
+              <a:rPr lang="it-IT" sz="2800" b="1" dirty="0" smtClean="0"/>
+              <a:t>classi del </a:t>
+            </a:r>
+            <a:r>
+              <a:rPr lang="it-IT" sz="2800" b="1" dirty="0" err="1" smtClean="0"/>
+              <a:t>framework</a:t>
+            </a:r>
+            <a:endParaRPr lang="it-IT" sz="2800" b="1" dirty="0" smtClean="0"/>
           </a:p>
           <a:p>
             <a:pPr algn="ctr"/>
@@ -4953,68 +4973,12 @@
           </a:lstStyle>
           <a:p>
             <a:r>
-              <a:rPr lang="it-IT" b="1" dirty="0" err="1" smtClean="0"/>
-              <a:t>DbBeans</a:t>
-            </a:r>
-            <a:r>
-              <a:rPr lang="it-IT" dirty="0" smtClean="0"/>
-              <a:t> è una classe che contiene  metodi per effettuare le operazioni più comuni sul database </a:t>
-            </a:r>
-          </a:p>
-          <a:p>
-            <a:pPr>
-              <a:buNone/>
-            </a:pPr>
-            <a:r>
-              <a:rPr lang="it-IT" dirty="0" smtClean="0"/>
-              <a:t>	come ad esempio </a:t>
-            </a:r>
-            <a:r>
-              <a:rPr lang="it-IT" dirty="0" err="1" smtClean="0"/>
-              <a:t>getAll</a:t>
-            </a:r>
-            <a:r>
-              <a:rPr lang="it-IT" dirty="0" smtClean="0"/>
-              <a:t>, inserisci, update, </a:t>
-            </a:r>
-            <a:r>
-              <a:rPr lang="it-IT" dirty="0" err="1" smtClean="0"/>
-              <a:t>delete</a:t>
-            </a:r>
-            <a:r>
-              <a:rPr lang="it-IT" dirty="0" smtClean="0"/>
-              <a:t> e  un oggetto di tipo </a:t>
-            </a:r>
-            <a:r>
-              <a:rPr lang="it-IT" i="1" dirty="0" smtClean="0"/>
-              <a:t>Tabella</a:t>
-            </a:r>
-            <a:r>
-              <a:rPr lang="it-IT" dirty="0" smtClean="0"/>
-              <a:t>, il quale si riferisce </a:t>
-            </a:r>
-          </a:p>
-          <a:p>
-            <a:pPr>
-              <a:buNone/>
-            </a:pPr>
-            <a:r>
-              <a:rPr lang="it-IT" dirty="0" smtClean="0"/>
-              <a:t>	alla tabella relativa al </a:t>
-            </a:r>
-            <a:r>
-              <a:rPr lang="it-IT" dirty="0" err="1" smtClean="0"/>
-              <a:t>bean</a:t>
-            </a:r>
-            <a:r>
-              <a:rPr lang="it-IT" dirty="0" smtClean="0"/>
-              <a:t> in questione. </a:t>
-            </a:r>
-          </a:p>
-          <a:p>
-            <a:r>
               <a:rPr lang="it-IT" b="1" dirty="0" smtClean="0"/>
-              <a:t>DB''</a:t>
+              <a:t>DB</a:t>
+            </a:r>
+            <a:r>
+              <a:rPr lang="it-IT" b="1" dirty="0" smtClean="0"/>
+              <a:t>''</a:t>
             </a:r>
             <a:r>
               <a:rPr lang="it-IT" b="1" dirty="0" err="1" smtClean="0"/>
@@ -5142,8 +5106,8 @@
         </p:nvSpPr>
         <p:spPr>
           <a:xfrm>
-            <a:off x="1662364" y="428604"/>
-            <a:ext cx="5767156" cy="1538883"/>
+            <a:off x="1662366" y="428604"/>
+            <a:ext cx="5767155" cy="1538883"/>
           </a:xfrm>
           <a:prstGeom prst="rect">
             <a:avLst/>
@@ -5167,11 +5131,14 @@
           <a:p>
             <a:pPr algn="ctr"/>
             <a:r>
-              <a:rPr lang="it-IT" sz="2800" b="1" dirty="0" smtClean="0">
-                <a:latin typeface="+mj-lt"/>
-              </a:rPr>
-              <a:t>Descrizione breve delle classi</a:t>
-            </a:r>
+              <a:rPr lang="it-IT" sz="2800" b="1" dirty="0" smtClean="0"/>
+              <a:t>Breve panoramica su </a:t>
+            </a:r>
+            <a:r>
+              <a:rPr lang="it-IT" sz="2800" b="1" dirty="0" err="1" smtClean="0"/>
+              <a:t>DBBeans</a:t>
+            </a:r>
+            <a:endParaRPr lang="it-IT" sz="2800" b="1" dirty="0" smtClean="0"/>
           </a:p>
           <a:p>
             <a:pPr algn="ctr"/>
@@ -5361,21 +5328,20 @@
             </a:lvl9pPr>
           </a:lstStyle>
           <a:p>
-            <a:r>
-              <a:rPr lang="it-IT" b="1" dirty="0" err="1" smtClean="0"/>
-              <a:t>DbBeansInterface</a:t>
-            </a:r>
+            <a:pPr marL="5561013" indent="-5561013" algn="just">
+              <a:buNone/>
+            </a:pPr>
             <a:r>
               <a:rPr lang="it-IT" dirty="0" smtClean="0"/>
-              <a:t> </a:t>
+              <a:t>La classe </a:t>
+            </a:r>
+            <a:r>
+              <a:rPr lang="it-IT" dirty="0" err="1" smtClean="0"/>
+              <a:t>DBBeans</a:t>
             </a:r>
             <a:r>
               <a:rPr lang="it-IT" dirty="0" smtClean="0"/>
-              <a:t>è una </a:t>
-            </a:r>
-            <a:r>
-              <a:rPr lang="it-IT" dirty="0" smtClean="0"/>
-              <a:t>interfaccia in cui sono dichiarati i metodi necessari ai fini di un corretto funzionamento del </a:t>
+              <a:t> è il fulcro del </a:t>
             </a:r>
             <a:r>
               <a:rPr lang="it-IT" dirty="0" err="1" smtClean="0"/>
@@ -5383,8 +5349,1228 @@
             </a:r>
             <a:r>
               <a:rPr lang="it-IT" dirty="0" smtClean="0"/>
-              <a:t>  </a:t>
-            </a:r>
+              <a:t>.</a:t>
+            </a:r>
+          </a:p>
+          <a:p>
+            <a:pPr marL="5561013" indent="-5561013" algn="just">
+              <a:buNone/>
+            </a:pPr>
+            <a:r>
+              <a:rPr lang="it-IT" dirty="0" smtClean="0"/>
+              <a:t> In esso sono implementati i metodi per</a:t>
+            </a:r>
+          </a:p>
+          <a:p>
+            <a:pPr marL="5561013" indent="-5561013" algn="just">
+              <a:buNone/>
+              <a:tabLst>
+                <a:tab pos="5741988" algn="l"/>
+              </a:tabLst>
+            </a:pPr>
+            <a:r>
+              <a:rPr lang="it-IT" dirty="0" smtClean="0"/>
+              <a:t> le operazioni comuni che saranno poi </a:t>
+            </a:r>
+          </a:p>
+          <a:p>
+            <a:pPr marL="5561013" indent="-5561013" algn="just">
+              <a:buNone/>
+            </a:pPr>
+            <a:r>
+              <a:rPr lang="it-IT" dirty="0" smtClean="0"/>
+              <a:t>e</a:t>
+            </a:r>
+            <a:r>
+              <a:rPr lang="it-IT" dirty="0" smtClean="0"/>
+              <a:t>reditate dalle classi per la gestione dei</a:t>
+            </a:r>
+          </a:p>
+          <a:p>
+            <a:pPr marL="5561013" indent="-5561013" algn="just">
+              <a:buNone/>
+            </a:pPr>
+            <a:r>
+              <a:rPr lang="it-IT" dirty="0" err="1" smtClean="0"/>
+              <a:t>bean</a:t>
+            </a:r>
+            <a:r>
+              <a:rPr lang="it-IT" dirty="0" smtClean="0"/>
+              <a:t> e i metodi per mappare il nome</a:t>
+            </a:r>
+          </a:p>
+          <a:p>
+            <a:pPr marL="5561013" indent="-5561013" algn="just">
+              <a:buNone/>
+            </a:pPr>
+            <a:r>
+              <a:rPr lang="it-IT" dirty="0" smtClean="0"/>
+              <a:t>d</a:t>
+            </a:r>
+            <a:r>
+              <a:rPr lang="it-IT" dirty="0" smtClean="0"/>
+              <a:t>elle variabili con i nomi dei relativi </a:t>
+            </a:r>
+          </a:p>
+          <a:p>
+            <a:pPr marL="5561013" indent="-5561013" algn="just">
+              <a:buNone/>
+            </a:pPr>
+            <a:r>
+              <a:rPr lang="it-IT" dirty="0" smtClean="0"/>
+              <a:t>a</a:t>
+            </a:r>
+            <a:r>
+              <a:rPr lang="it-IT" dirty="0" smtClean="0"/>
+              <a:t>ttributi.</a:t>
+            </a:r>
+          </a:p>
+        </p:txBody>
+      </p:sp>
+      <p:pic>
+        <p:nvPicPr>
+          <p:cNvPr id="4" name="Immagine 3" descr="DbBeaansClasse.png"/>
+          <p:cNvPicPr>
+            <a:picLocks noChangeAspect="1"/>
+          </p:cNvPicPr>
+          <p:nvPr/>
+        </p:nvPicPr>
+        <p:blipFill>
+          <a:blip r:embed="rId2" cstate="print"/>
+          <a:stretch>
+            <a:fillRect/>
+          </a:stretch>
+        </p:blipFill>
+        <p:spPr>
+          <a:xfrm>
+            <a:off x="6372200" y="2251582"/>
+            <a:ext cx="2376264" cy="4057738"/>
+          </a:xfrm>
+          <a:prstGeom prst="rect">
+            <a:avLst/>
+          </a:prstGeom>
+        </p:spPr>
+        <p:style>
+          <a:lnRef idx="2">
+            <a:schemeClr val="accent2">
+              <a:shade val="50000"/>
+            </a:schemeClr>
+          </a:lnRef>
+          <a:fillRef idx="1">
+            <a:schemeClr val="accent2"/>
+          </a:fillRef>
+          <a:effectRef idx="0">
+            <a:schemeClr val="accent2"/>
+          </a:effectRef>
+          <a:fontRef idx="minor">
+            <a:schemeClr val="lt1"/>
+          </a:fontRef>
+        </p:style>
+      </p:pic>
+    </p:spTree>
+    <p:extLst>
+      <p:ext uri="{BB962C8B-B14F-4D97-AF65-F5344CB8AC3E}">
+        <p14:creationId xmlns:p14="http://schemas.microsoft.com/office/powerpoint/2010/main" xmlns="" val="155874689"/>
+      </p:ext>
+    </p:extLst>
+  </p:cSld>
+  <p:clrMapOvr>
+    <a:masterClrMapping/>
+  </p:clrMapOvr>
+  <mc:AlternateContent xmlns:mc="http://schemas.openxmlformats.org/markup-compatibility/2006">
+    <mc:Choice xmlns:p14="http://schemas.microsoft.com/office/powerpoint/2010/main" xmlns="" Requires="p14">
+      <p:transition spd="slow" p14:dur="2000"/>
+    </mc:Choice>
+    <mc:Fallback>
+      <p:transition spd="slow"/>
+    </mc:Fallback>
+  </mc:AlternateContent>
+  <p:timing>
+    <p:tnLst>
+      <p:par>
+        <p:cTn id="1" dur="indefinite" restart="never" nodeType="tmRoot"/>
+      </p:par>
+    </p:tnLst>
+  </p:timing>
+</p:sld>
+</file>
+
+<file path=ppt/slides/slide12.xml><?xml version="1.0" encoding="utf-8"?>
+<p:sld xmlns:a="http://schemas.openxmlformats.org/drawingml/2006/main" xmlns:r="http://schemas.openxmlformats.org/officeDocument/2006/relationships" xmlns:p="http://schemas.openxmlformats.org/presentationml/2006/main">
+  <p:cSld>
+    <p:spTree>
+      <p:nvGrpSpPr>
+        <p:cNvPr id="1" name=""/>
+        <p:cNvGrpSpPr/>
+        <p:nvPr/>
+      </p:nvGrpSpPr>
+      <p:grpSpPr>
+        <a:xfrm>
+          <a:off x="0" y="0"/>
+          <a:ext cx="0" cy="0"/>
+          <a:chOff x="0" y="0"/>
+          <a:chExt cx="0" cy="0"/>
+        </a:xfrm>
+      </p:grpSpPr>
+      <p:sp>
+        <p:nvSpPr>
+          <p:cNvPr id="2" name="CasellaDiTesto 1"/>
+          <p:cNvSpPr txBox="1"/>
+          <p:nvPr/>
+        </p:nvSpPr>
+        <p:spPr>
+          <a:xfrm>
+            <a:off x="1662366" y="428604"/>
+            <a:ext cx="5767155" cy="1538883"/>
+          </a:xfrm>
+          <a:prstGeom prst="rect">
+            <a:avLst/>
+          </a:prstGeom>
+          <a:noFill/>
+        </p:spPr>
+        <p:txBody>
+          <a:bodyPr wrap="none" rtlCol="0">
+            <a:spAutoFit/>
+          </a:bodyPr>
+          <a:lstStyle/>
+          <a:p>
+            <a:pPr algn="ctr"/>
+            <a:r>
+              <a:rPr lang="it-IT" sz="4800" b="1" dirty="0" smtClean="0">
+                <a:latin typeface="+mj-lt"/>
+              </a:rPr>
+              <a:t>Progettazione pattern</a:t>
+            </a:r>
+          </a:p>
+          <a:p>
+            <a:pPr algn="ctr"/>
+            <a:r>
+              <a:rPr lang="it-IT" sz="2800" b="1" dirty="0" err="1" smtClean="0"/>
+              <a:t>DBBeans</a:t>
+            </a:r>
+            <a:r>
+              <a:rPr lang="it-IT" sz="2800" b="1" dirty="0" smtClean="0"/>
+              <a:t>: i metodi chiave</a:t>
+            </a:r>
+            <a:endParaRPr lang="it-IT" sz="2800" b="1" dirty="0" smtClean="0"/>
+          </a:p>
+          <a:p>
+            <a:pPr algn="ctr"/>
+            <a:endParaRPr lang="it-IT" dirty="0">
+              <a:latin typeface="+mj-lt"/>
+            </a:endParaRPr>
+          </a:p>
+        </p:txBody>
+      </p:sp>
+      <p:sp>
+        <p:nvSpPr>
+          <p:cNvPr id="10" name="Content Placeholder 3"/>
+          <p:cNvSpPr txBox="1">
+            <a:spLocks/>
+          </p:cNvSpPr>
+          <p:nvPr/>
+        </p:nvSpPr>
+        <p:spPr>
+          <a:xfrm>
+            <a:off x="323528" y="1795352"/>
+            <a:ext cx="8177562" cy="4634044"/>
+          </a:xfrm>
+          <a:prstGeom prst="rect">
+            <a:avLst/>
+          </a:prstGeom>
+        </p:spPr>
+        <p:txBody>
+          <a:bodyPr tIns="0"/>
+          <a:lstStyle>
+            <a:lvl1pPr marL="274320" indent="-274320" algn="l" rtl="0" eaLnBrk="1" latinLnBrk="0" hangingPunct="1">
+              <a:spcBef>
+                <a:spcPct val="20000"/>
+              </a:spcBef>
+              <a:buClrTx/>
+              <a:buSzPct val="95000"/>
+              <a:buFont typeface="Wingdings" pitchFamily="2" charset="2"/>
+              <a:buChar char="v"/>
+              <a:defRPr kumimoji="0" sz="2800" kern="1200">
+                <a:solidFill>
+                  <a:schemeClr val="tx1"/>
+                </a:solidFill>
+                <a:latin typeface="+mn-lt"/>
+                <a:ea typeface="+mn-ea"/>
+                <a:cs typeface="+mn-cs"/>
+              </a:defRPr>
+            </a:lvl1pPr>
+            <a:lvl2pPr marL="640080" indent="-246888" algn="l" rtl="0" eaLnBrk="1" latinLnBrk="0" hangingPunct="1">
+              <a:spcBef>
+                <a:spcPct val="20000"/>
+              </a:spcBef>
+              <a:buClrTx/>
+              <a:buSzPct val="85000"/>
+              <a:buFont typeface="Courier New" pitchFamily="49" charset="0"/>
+              <a:buChar char="o"/>
+              <a:defRPr kumimoji="0" sz="2600" kern="1200">
+                <a:solidFill>
+                  <a:schemeClr val="tx1"/>
+                </a:solidFill>
+                <a:latin typeface="+mn-lt"/>
+                <a:ea typeface="+mn-ea"/>
+                <a:cs typeface="+mn-cs"/>
+              </a:defRPr>
+            </a:lvl2pPr>
+            <a:lvl3pPr marL="914400" indent="-246888" algn="l" rtl="0" eaLnBrk="1" latinLnBrk="0" hangingPunct="1">
+              <a:spcBef>
+                <a:spcPct val="20000"/>
+              </a:spcBef>
+              <a:buClrTx/>
+              <a:buSzPct val="70000"/>
+              <a:buFont typeface="Wingdings 2"/>
+              <a:buChar char=""/>
+              <a:defRPr kumimoji="0" sz="2400" kern="1200">
+                <a:solidFill>
+                  <a:schemeClr val="tx1"/>
+                </a:solidFill>
+                <a:latin typeface="+mn-lt"/>
+                <a:ea typeface="+mn-ea"/>
+                <a:cs typeface="+mn-cs"/>
+              </a:defRPr>
+            </a:lvl3pPr>
+            <a:lvl4pPr marL="1188720" indent="-210312" algn="l" rtl="0" eaLnBrk="1" latinLnBrk="0" hangingPunct="1">
+              <a:spcBef>
+                <a:spcPct val="20000"/>
+              </a:spcBef>
+              <a:buClrTx/>
+              <a:buSzPct val="65000"/>
+              <a:buFont typeface="Wingdings 2"/>
+              <a:buChar char=""/>
+              <a:defRPr kumimoji="0" sz="2000" kern="1200">
+                <a:solidFill>
+                  <a:schemeClr val="tx1"/>
+                </a:solidFill>
+                <a:latin typeface="+mn-lt"/>
+                <a:ea typeface="+mn-ea"/>
+                <a:cs typeface="+mn-cs"/>
+              </a:defRPr>
+            </a:lvl4pPr>
+            <a:lvl5pPr marL="1463040" indent="-210312" algn="l" rtl="0" eaLnBrk="1" latinLnBrk="0" hangingPunct="1">
+              <a:spcBef>
+                <a:spcPct val="20000"/>
+              </a:spcBef>
+              <a:buClrTx/>
+              <a:buSzPct val="65000"/>
+              <a:buFont typeface="Wingdings 2"/>
+              <a:buChar char=""/>
+              <a:defRPr kumimoji="0" sz="1800" kern="1200">
+                <a:solidFill>
+                  <a:schemeClr val="tx1"/>
+                </a:solidFill>
+                <a:latin typeface="+mn-lt"/>
+                <a:ea typeface="+mn-ea"/>
+                <a:cs typeface="+mn-cs"/>
+              </a:defRPr>
+            </a:lvl5pPr>
+            <a:lvl6pPr marL="1737360" indent="-210312" algn="l" rtl="0" eaLnBrk="1" latinLnBrk="0" hangingPunct="1">
+              <a:spcBef>
+                <a:spcPct val="20000"/>
+              </a:spcBef>
+              <a:buClr>
+                <a:schemeClr val="accent5"/>
+              </a:buClr>
+              <a:buSzPct val="80000"/>
+              <a:buFont typeface="Wingdings 2"/>
+              <a:buChar char=""/>
+              <a:defRPr kumimoji="0" sz="1800" kern="1200">
+                <a:solidFill>
+                  <a:schemeClr val="tx1"/>
+                </a:solidFill>
+                <a:latin typeface="+mn-lt"/>
+                <a:ea typeface="+mn-ea"/>
+                <a:cs typeface="+mn-cs"/>
+              </a:defRPr>
+            </a:lvl6pPr>
+            <a:lvl7pPr marL="1920240" indent="-182880" algn="l" rtl="0" eaLnBrk="1" latinLnBrk="0" hangingPunct="1">
+              <a:spcBef>
+                <a:spcPct val="20000"/>
+              </a:spcBef>
+              <a:buClr>
+                <a:schemeClr val="accent6"/>
+              </a:buClr>
+              <a:buSzPct val="80000"/>
+              <a:buFont typeface="Wingdings 2"/>
+              <a:buChar char=""/>
+              <a:defRPr kumimoji="0" sz="1600" kern="1200" baseline="0">
+                <a:solidFill>
+                  <a:schemeClr val="tx1"/>
+                </a:solidFill>
+                <a:latin typeface="+mn-lt"/>
+                <a:ea typeface="+mn-ea"/>
+                <a:cs typeface="+mn-cs"/>
+              </a:defRPr>
+            </a:lvl7pPr>
+            <a:lvl8pPr marL="2194560" indent="-182880" algn="l" rtl="0" eaLnBrk="1" latinLnBrk="0" hangingPunct="1">
+              <a:spcBef>
+                <a:spcPct val="20000"/>
+              </a:spcBef>
+              <a:buClr>
+                <a:schemeClr val="tx2"/>
+              </a:buClr>
+              <a:buChar char="•"/>
+              <a:defRPr kumimoji="0" sz="1600" kern="1200">
+                <a:solidFill>
+                  <a:schemeClr val="tx1"/>
+                </a:solidFill>
+                <a:latin typeface="+mn-lt"/>
+                <a:ea typeface="+mn-ea"/>
+                <a:cs typeface="+mn-cs"/>
+              </a:defRPr>
+            </a:lvl8pPr>
+            <a:lvl9pPr marL="2468880" indent="-182880" algn="l" rtl="0" eaLnBrk="1" latinLnBrk="0" hangingPunct="1">
+              <a:spcBef>
+                <a:spcPct val="20000"/>
+              </a:spcBef>
+              <a:buClr>
+                <a:schemeClr val="tx2"/>
+              </a:buClr>
+              <a:buFontTx/>
+              <a:buChar char="•"/>
+              <a:defRPr kumimoji="0" sz="1400" kern="1200" baseline="0">
+                <a:solidFill>
+                  <a:schemeClr val="tx1"/>
+                </a:solidFill>
+                <a:latin typeface="+mn-lt"/>
+                <a:ea typeface="+mn-ea"/>
+                <a:cs typeface="+mn-cs"/>
+              </a:defRPr>
+            </a:lvl9pPr>
+          </a:lstStyle>
+          <a:p>
+            <a:pPr marL="0" indent="0" algn="just">
+              <a:buNone/>
+            </a:pPr>
+            <a:r>
+              <a:rPr lang="it-IT" dirty="0" smtClean="0"/>
+              <a:t>Oltre ai metodi per le operazioni comuni a tutti i </a:t>
+            </a:r>
+            <a:r>
+              <a:rPr lang="it-IT" dirty="0" err="1" smtClean="0"/>
+              <a:t>beans</a:t>
+            </a:r>
+            <a:r>
+              <a:rPr lang="it-IT" dirty="0" smtClean="0"/>
+              <a:t>,  vi sono  metodi che sono indispensabili </a:t>
+            </a:r>
+            <a:r>
+              <a:rPr lang="it-IT" dirty="0" err="1" smtClean="0"/>
+              <a:t>affinchè</a:t>
+            </a:r>
+            <a:r>
+              <a:rPr lang="it-IT" dirty="0" smtClean="0"/>
+              <a:t> il pattern possa funzionare.</a:t>
+            </a:r>
+          </a:p>
+          <a:p>
+            <a:pPr marL="0" indent="0" algn="just">
+              <a:buNone/>
+            </a:pPr>
+            <a:endParaRPr lang="it-IT" dirty="0" smtClean="0"/>
+          </a:p>
+          <a:p>
+            <a:pPr marL="0" indent="0"/>
+            <a:r>
+              <a:rPr lang="en-US" b="1" dirty="0" smtClean="0"/>
+              <a:t>protected abstract Map&lt;String, String&gt; </a:t>
+            </a:r>
+            <a:r>
+              <a:rPr lang="en-US" b="1" dirty="0" err="1" smtClean="0"/>
+              <a:t>getMappingFields</a:t>
+            </a:r>
+            <a:r>
+              <a:rPr lang="en-US" b="1" dirty="0" smtClean="0"/>
+              <a:t>();</a:t>
+            </a:r>
+          </a:p>
+          <a:p>
+            <a:pPr marL="0" indent="0">
+              <a:buNone/>
+            </a:pPr>
+            <a:r>
+              <a:rPr lang="it-IT" dirty="0" smtClean="0"/>
+              <a:t>Metodo astratto che associa, per ogni Bean, in una mappa </a:t>
+            </a:r>
+            <a:r>
+              <a:rPr lang="it-IT" dirty="0" err="1" smtClean="0"/>
+              <a:t>hash</a:t>
+            </a:r>
+            <a:r>
+              <a:rPr lang="it-IT" dirty="0" smtClean="0"/>
+              <a:t> secondo lo schema </a:t>
+            </a:r>
+            <a:r>
+              <a:rPr lang="it-IT" dirty="0" err="1" smtClean="0"/>
+              <a:t>variabileBean-colonnaDatabase</a:t>
+            </a:r>
+            <a:r>
+              <a:rPr lang="it-IT" dirty="0" smtClean="0"/>
+              <a:t> .</a:t>
+            </a:r>
+          </a:p>
+          <a:p>
+            <a:pPr marL="0" indent="0" algn="just">
+              <a:buNone/>
+            </a:pPr>
+            <a:endParaRPr lang="it-IT" dirty="0" smtClean="0"/>
+          </a:p>
+          <a:p>
+            <a:pPr marL="0" indent="0">
+              <a:buNone/>
+            </a:pPr>
+            <a:endParaRPr lang="it-IT" dirty="0" smtClean="0"/>
+          </a:p>
+        </p:txBody>
+      </p:sp>
+    </p:spTree>
+    <p:extLst>
+      <p:ext uri="{BB962C8B-B14F-4D97-AF65-F5344CB8AC3E}">
+        <p14:creationId xmlns:p14="http://schemas.microsoft.com/office/powerpoint/2010/main" xmlns="" val="155874689"/>
+      </p:ext>
+    </p:extLst>
+  </p:cSld>
+  <p:clrMapOvr>
+    <a:masterClrMapping/>
+  </p:clrMapOvr>
+  <mc:AlternateContent xmlns:mc="http://schemas.openxmlformats.org/markup-compatibility/2006">
+    <mc:Choice xmlns:p14="http://schemas.microsoft.com/office/powerpoint/2010/main" xmlns="" Requires="p14">
+      <p:transition spd="slow" p14:dur="2000"/>
+    </mc:Choice>
+    <mc:Fallback>
+      <p:transition spd="slow"/>
+    </mc:Fallback>
+  </mc:AlternateContent>
+  <p:timing>
+    <p:tnLst>
+      <p:par>
+        <p:cTn id="1" dur="indefinite" restart="never" nodeType="tmRoot"/>
+      </p:par>
+    </p:tnLst>
+  </p:timing>
+</p:sld>
+</file>
+
+<file path=ppt/slides/slide13.xml><?xml version="1.0" encoding="utf-8"?>
+<p:sld xmlns:a="http://schemas.openxmlformats.org/drawingml/2006/main" xmlns:r="http://schemas.openxmlformats.org/officeDocument/2006/relationships" xmlns:p="http://schemas.openxmlformats.org/presentationml/2006/main">
+  <p:cSld>
+    <p:spTree>
+      <p:nvGrpSpPr>
+        <p:cNvPr id="1" name=""/>
+        <p:cNvGrpSpPr/>
+        <p:nvPr/>
+      </p:nvGrpSpPr>
+      <p:grpSpPr>
+        <a:xfrm>
+          <a:off x="0" y="0"/>
+          <a:ext cx="0" cy="0"/>
+          <a:chOff x="0" y="0"/>
+          <a:chExt cx="0" cy="0"/>
+        </a:xfrm>
+      </p:grpSpPr>
+      <p:sp>
+        <p:nvSpPr>
+          <p:cNvPr id="2" name="CasellaDiTesto 1"/>
+          <p:cNvSpPr txBox="1"/>
+          <p:nvPr/>
+        </p:nvSpPr>
+        <p:spPr>
+          <a:xfrm>
+            <a:off x="1662366" y="428604"/>
+            <a:ext cx="5767155" cy="1538883"/>
+          </a:xfrm>
+          <a:prstGeom prst="rect">
+            <a:avLst/>
+          </a:prstGeom>
+          <a:noFill/>
+        </p:spPr>
+        <p:txBody>
+          <a:bodyPr wrap="none" rtlCol="0">
+            <a:spAutoFit/>
+          </a:bodyPr>
+          <a:lstStyle/>
+          <a:p>
+            <a:pPr algn="ctr"/>
+            <a:r>
+              <a:rPr lang="it-IT" sz="4800" b="1" dirty="0" smtClean="0">
+                <a:latin typeface="+mj-lt"/>
+              </a:rPr>
+              <a:t>Progettazione pattern</a:t>
+            </a:r>
+          </a:p>
+          <a:p>
+            <a:pPr algn="ctr"/>
+            <a:r>
+              <a:rPr lang="it-IT" sz="2800" b="1" dirty="0" err="1" smtClean="0"/>
+              <a:t>DBBeans</a:t>
+            </a:r>
+            <a:r>
+              <a:rPr lang="it-IT" sz="2800" b="1" dirty="0" smtClean="0"/>
+              <a:t>: i metodi chiave</a:t>
+            </a:r>
+            <a:endParaRPr lang="it-IT" sz="2800" b="1" dirty="0" smtClean="0"/>
+          </a:p>
+          <a:p>
+            <a:pPr algn="ctr"/>
+            <a:endParaRPr lang="it-IT" dirty="0">
+              <a:latin typeface="+mj-lt"/>
+            </a:endParaRPr>
+          </a:p>
+        </p:txBody>
+      </p:sp>
+      <p:sp>
+        <p:nvSpPr>
+          <p:cNvPr id="10" name="Content Placeholder 3"/>
+          <p:cNvSpPr txBox="1">
+            <a:spLocks/>
+          </p:cNvSpPr>
+          <p:nvPr/>
+        </p:nvSpPr>
+        <p:spPr>
+          <a:xfrm>
+            <a:off x="323528" y="1795352"/>
+            <a:ext cx="8177562" cy="4634044"/>
+          </a:xfrm>
+          <a:prstGeom prst="rect">
+            <a:avLst/>
+          </a:prstGeom>
+        </p:spPr>
+        <p:txBody>
+          <a:bodyPr tIns="0"/>
+          <a:lstStyle>
+            <a:lvl1pPr marL="274320" indent="-274320" algn="l" rtl="0" eaLnBrk="1" latinLnBrk="0" hangingPunct="1">
+              <a:spcBef>
+                <a:spcPct val="20000"/>
+              </a:spcBef>
+              <a:buClrTx/>
+              <a:buSzPct val="95000"/>
+              <a:buFont typeface="Wingdings" pitchFamily="2" charset="2"/>
+              <a:buChar char="v"/>
+              <a:defRPr kumimoji="0" sz="2800" kern="1200">
+                <a:solidFill>
+                  <a:schemeClr val="tx1"/>
+                </a:solidFill>
+                <a:latin typeface="+mn-lt"/>
+                <a:ea typeface="+mn-ea"/>
+                <a:cs typeface="+mn-cs"/>
+              </a:defRPr>
+            </a:lvl1pPr>
+            <a:lvl2pPr marL="640080" indent="-246888" algn="l" rtl="0" eaLnBrk="1" latinLnBrk="0" hangingPunct="1">
+              <a:spcBef>
+                <a:spcPct val="20000"/>
+              </a:spcBef>
+              <a:buClrTx/>
+              <a:buSzPct val="85000"/>
+              <a:buFont typeface="Courier New" pitchFamily="49" charset="0"/>
+              <a:buChar char="o"/>
+              <a:defRPr kumimoji="0" sz="2600" kern="1200">
+                <a:solidFill>
+                  <a:schemeClr val="tx1"/>
+                </a:solidFill>
+                <a:latin typeface="+mn-lt"/>
+                <a:ea typeface="+mn-ea"/>
+                <a:cs typeface="+mn-cs"/>
+              </a:defRPr>
+            </a:lvl2pPr>
+            <a:lvl3pPr marL="914400" indent="-246888" algn="l" rtl="0" eaLnBrk="1" latinLnBrk="0" hangingPunct="1">
+              <a:spcBef>
+                <a:spcPct val="20000"/>
+              </a:spcBef>
+              <a:buClrTx/>
+              <a:buSzPct val="70000"/>
+              <a:buFont typeface="Wingdings 2"/>
+              <a:buChar char=""/>
+              <a:defRPr kumimoji="0" sz="2400" kern="1200">
+                <a:solidFill>
+                  <a:schemeClr val="tx1"/>
+                </a:solidFill>
+                <a:latin typeface="+mn-lt"/>
+                <a:ea typeface="+mn-ea"/>
+                <a:cs typeface="+mn-cs"/>
+              </a:defRPr>
+            </a:lvl3pPr>
+            <a:lvl4pPr marL="1188720" indent="-210312" algn="l" rtl="0" eaLnBrk="1" latinLnBrk="0" hangingPunct="1">
+              <a:spcBef>
+                <a:spcPct val="20000"/>
+              </a:spcBef>
+              <a:buClrTx/>
+              <a:buSzPct val="65000"/>
+              <a:buFont typeface="Wingdings 2"/>
+              <a:buChar char=""/>
+              <a:defRPr kumimoji="0" sz="2000" kern="1200">
+                <a:solidFill>
+                  <a:schemeClr val="tx1"/>
+                </a:solidFill>
+                <a:latin typeface="+mn-lt"/>
+                <a:ea typeface="+mn-ea"/>
+                <a:cs typeface="+mn-cs"/>
+              </a:defRPr>
+            </a:lvl4pPr>
+            <a:lvl5pPr marL="1463040" indent="-210312" algn="l" rtl="0" eaLnBrk="1" latinLnBrk="0" hangingPunct="1">
+              <a:spcBef>
+                <a:spcPct val="20000"/>
+              </a:spcBef>
+              <a:buClrTx/>
+              <a:buSzPct val="65000"/>
+              <a:buFont typeface="Wingdings 2"/>
+              <a:buChar char=""/>
+              <a:defRPr kumimoji="0" sz="1800" kern="1200">
+                <a:solidFill>
+                  <a:schemeClr val="tx1"/>
+                </a:solidFill>
+                <a:latin typeface="+mn-lt"/>
+                <a:ea typeface="+mn-ea"/>
+                <a:cs typeface="+mn-cs"/>
+              </a:defRPr>
+            </a:lvl5pPr>
+            <a:lvl6pPr marL="1737360" indent="-210312" algn="l" rtl="0" eaLnBrk="1" latinLnBrk="0" hangingPunct="1">
+              <a:spcBef>
+                <a:spcPct val="20000"/>
+              </a:spcBef>
+              <a:buClr>
+                <a:schemeClr val="accent5"/>
+              </a:buClr>
+              <a:buSzPct val="80000"/>
+              <a:buFont typeface="Wingdings 2"/>
+              <a:buChar char=""/>
+              <a:defRPr kumimoji="0" sz="1800" kern="1200">
+                <a:solidFill>
+                  <a:schemeClr val="tx1"/>
+                </a:solidFill>
+                <a:latin typeface="+mn-lt"/>
+                <a:ea typeface="+mn-ea"/>
+                <a:cs typeface="+mn-cs"/>
+              </a:defRPr>
+            </a:lvl6pPr>
+            <a:lvl7pPr marL="1920240" indent="-182880" algn="l" rtl="0" eaLnBrk="1" latinLnBrk="0" hangingPunct="1">
+              <a:spcBef>
+                <a:spcPct val="20000"/>
+              </a:spcBef>
+              <a:buClr>
+                <a:schemeClr val="accent6"/>
+              </a:buClr>
+              <a:buSzPct val="80000"/>
+              <a:buFont typeface="Wingdings 2"/>
+              <a:buChar char=""/>
+              <a:defRPr kumimoji="0" sz="1600" kern="1200" baseline="0">
+                <a:solidFill>
+                  <a:schemeClr val="tx1"/>
+                </a:solidFill>
+                <a:latin typeface="+mn-lt"/>
+                <a:ea typeface="+mn-ea"/>
+                <a:cs typeface="+mn-cs"/>
+              </a:defRPr>
+            </a:lvl7pPr>
+            <a:lvl8pPr marL="2194560" indent="-182880" algn="l" rtl="0" eaLnBrk="1" latinLnBrk="0" hangingPunct="1">
+              <a:spcBef>
+                <a:spcPct val="20000"/>
+              </a:spcBef>
+              <a:buClr>
+                <a:schemeClr val="tx2"/>
+              </a:buClr>
+              <a:buChar char="•"/>
+              <a:defRPr kumimoji="0" sz="1600" kern="1200">
+                <a:solidFill>
+                  <a:schemeClr val="tx1"/>
+                </a:solidFill>
+                <a:latin typeface="+mn-lt"/>
+                <a:ea typeface="+mn-ea"/>
+                <a:cs typeface="+mn-cs"/>
+              </a:defRPr>
+            </a:lvl8pPr>
+            <a:lvl9pPr marL="2468880" indent="-182880" algn="l" rtl="0" eaLnBrk="1" latinLnBrk="0" hangingPunct="1">
+              <a:spcBef>
+                <a:spcPct val="20000"/>
+              </a:spcBef>
+              <a:buClr>
+                <a:schemeClr val="tx2"/>
+              </a:buClr>
+              <a:buFontTx/>
+              <a:buChar char="•"/>
+              <a:defRPr kumimoji="0" sz="1400" kern="1200" baseline="0">
+                <a:solidFill>
+                  <a:schemeClr val="tx1"/>
+                </a:solidFill>
+                <a:latin typeface="+mn-lt"/>
+                <a:ea typeface="+mn-ea"/>
+                <a:cs typeface="+mn-cs"/>
+              </a:defRPr>
+            </a:lvl9pPr>
+          </a:lstStyle>
+          <a:p>
+            <a:pPr marL="0" indent="0"/>
+            <a:r>
+              <a:rPr lang="it-IT" b="1" dirty="0" err="1" smtClean="0"/>
+              <a:t>protected</a:t>
+            </a:r>
+            <a:r>
+              <a:rPr lang="it-IT" b="1" dirty="0" smtClean="0"/>
+              <a:t> </a:t>
+            </a:r>
+            <a:r>
+              <a:rPr lang="it-IT" b="1" dirty="0" err="1" smtClean="0"/>
+              <a:t>abstract</a:t>
+            </a:r>
+            <a:r>
+              <a:rPr lang="it-IT" b="1" dirty="0" smtClean="0"/>
+              <a:t> </a:t>
+            </a:r>
+            <a:r>
+              <a:rPr lang="it-IT" b="1" dirty="0" err="1" smtClean="0"/>
+              <a:t>List</a:t>
+            </a:r>
+            <a:r>
+              <a:rPr lang="it-IT" b="1" dirty="0" smtClean="0"/>
+              <a:t>&lt;</a:t>
+            </a:r>
+            <a:r>
+              <a:rPr lang="it-IT" b="1" dirty="0" err="1" smtClean="0"/>
+              <a:t>String</a:t>
+            </a:r>
+            <a:r>
+              <a:rPr lang="it-IT" b="1" dirty="0" smtClean="0"/>
+              <a:t>&gt; </a:t>
+            </a:r>
+            <a:r>
+              <a:rPr lang="it-IT" b="1" dirty="0" err="1" smtClean="0"/>
+              <a:t>getKeyFields</a:t>
+            </a:r>
+            <a:r>
+              <a:rPr lang="it-IT" b="1" dirty="0" smtClean="0"/>
+              <a:t>();</a:t>
+            </a:r>
+          </a:p>
+          <a:p>
+            <a:pPr marL="0" indent="0">
+              <a:buNone/>
+            </a:pPr>
+            <a:r>
+              <a:rPr lang="it-IT" dirty="0" smtClean="0"/>
+              <a:t>Restituisce la lista dei campi chiave nel database per questo </a:t>
+            </a:r>
+            <a:r>
+              <a:rPr lang="it-IT" dirty="0" err="1" smtClean="0"/>
+              <a:t>bean</a:t>
+            </a:r>
+            <a:r>
+              <a:rPr lang="it-IT" dirty="0" smtClean="0"/>
+              <a:t>.</a:t>
+            </a:r>
+            <a:endParaRPr lang="it-IT" b="1" dirty="0" smtClean="0"/>
+          </a:p>
+          <a:p>
+            <a:pPr marL="0" indent="0">
+              <a:buNone/>
+            </a:pPr>
+            <a:endParaRPr lang="en-US" b="1" dirty="0" smtClean="0"/>
+          </a:p>
+          <a:p>
+            <a:pPr marL="0" indent="0"/>
+            <a:r>
+              <a:rPr lang="en-US" b="1" dirty="0" smtClean="0"/>
+              <a:t>protected </a:t>
+            </a:r>
+            <a:r>
+              <a:rPr lang="en-US" b="1" dirty="0" smtClean="0"/>
+              <a:t>final Map&lt;String, Object&gt; </a:t>
+            </a:r>
+            <a:r>
+              <a:rPr lang="en-US" b="1" dirty="0" err="1" smtClean="0"/>
+              <a:t>getFieldsFromBean</a:t>
+            </a:r>
+            <a:r>
+              <a:rPr lang="en-US" b="1" dirty="0" smtClean="0"/>
+              <a:t>(B </a:t>
+            </a:r>
+            <a:r>
+              <a:rPr lang="en-US" b="1" dirty="0" err="1" smtClean="0"/>
+              <a:t>realBean</a:t>
+            </a:r>
+            <a:r>
+              <a:rPr lang="en-US" b="1" dirty="0" smtClean="0"/>
+              <a:t>) </a:t>
+            </a:r>
+          </a:p>
+          <a:p>
+            <a:pPr marL="0" indent="0">
+              <a:buNone/>
+            </a:pPr>
+            <a:r>
+              <a:rPr lang="it-IT" dirty="0" smtClean="0"/>
+              <a:t>Metodo che legge i valori di tutti i campi di un oggetto Java </a:t>
+            </a:r>
+            <a:r>
+              <a:rPr lang="it-IT" dirty="0" err="1" smtClean="0"/>
+              <a:t>realBean</a:t>
+            </a:r>
+            <a:endParaRPr lang="it-IT" dirty="0" smtClean="0"/>
+          </a:p>
+        </p:txBody>
+      </p:sp>
+    </p:spTree>
+    <p:extLst>
+      <p:ext uri="{BB962C8B-B14F-4D97-AF65-F5344CB8AC3E}">
+        <p14:creationId xmlns:p14="http://schemas.microsoft.com/office/powerpoint/2010/main" xmlns="" val="155874689"/>
+      </p:ext>
+    </p:extLst>
+  </p:cSld>
+  <p:clrMapOvr>
+    <a:masterClrMapping/>
+  </p:clrMapOvr>
+  <mc:AlternateContent xmlns:mc="http://schemas.openxmlformats.org/markup-compatibility/2006">
+    <mc:Choice xmlns:p14="http://schemas.microsoft.com/office/powerpoint/2010/main" xmlns="" Requires="p14">
+      <p:transition spd="slow" p14:dur="2000"/>
+    </mc:Choice>
+    <mc:Fallback>
+      <p:transition spd="slow"/>
+    </mc:Fallback>
+  </mc:AlternateContent>
+  <p:timing>
+    <p:tnLst>
+      <p:par>
+        <p:cTn id="1" dur="indefinite" restart="never" nodeType="tmRoot"/>
+      </p:par>
+    </p:tnLst>
+  </p:timing>
+</p:sld>
+</file>
+
+<file path=ppt/slides/slide14.xml><?xml version="1.0" encoding="utf-8"?>
+<p:sld xmlns:a="http://schemas.openxmlformats.org/drawingml/2006/main" xmlns:r="http://schemas.openxmlformats.org/officeDocument/2006/relationships" xmlns:p="http://schemas.openxmlformats.org/presentationml/2006/main">
+  <p:cSld>
+    <p:spTree>
+      <p:nvGrpSpPr>
+        <p:cNvPr id="1" name=""/>
+        <p:cNvGrpSpPr/>
+        <p:nvPr/>
+      </p:nvGrpSpPr>
+      <p:grpSpPr>
+        <a:xfrm>
+          <a:off x="0" y="0"/>
+          <a:ext cx="0" cy="0"/>
+          <a:chOff x="0" y="0"/>
+          <a:chExt cx="0" cy="0"/>
+        </a:xfrm>
+      </p:grpSpPr>
+      <p:sp>
+        <p:nvSpPr>
+          <p:cNvPr id="2" name="CasellaDiTesto 1"/>
+          <p:cNvSpPr txBox="1"/>
+          <p:nvPr/>
+        </p:nvSpPr>
+        <p:spPr>
+          <a:xfrm>
+            <a:off x="1662366" y="428604"/>
+            <a:ext cx="5767155" cy="1538883"/>
+          </a:xfrm>
+          <a:prstGeom prst="rect">
+            <a:avLst/>
+          </a:prstGeom>
+          <a:noFill/>
+        </p:spPr>
+        <p:txBody>
+          <a:bodyPr wrap="none" rtlCol="0">
+            <a:spAutoFit/>
+          </a:bodyPr>
+          <a:lstStyle/>
+          <a:p>
+            <a:pPr algn="ctr"/>
+            <a:r>
+              <a:rPr lang="it-IT" sz="4800" b="1" dirty="0" smtClean="0">
+                <a:latin typeface="+mj-lt"/>
+              </a:rPr>
+              <a:t>Progettazione pattern</a:t>
+            </a:r>
+          </a:p>
+          <a:p>
+            <a:pPr algn="ctr"/>
+            <a:r>
+              <a:rPr lang="it-IT" sz="2800" b="1" dirty="0" err="1" smtClean="0"/>
+              <a:t>DBBeans</a:t>
+            </a:r>
+            <a:r>
+              <a:rPr lang="it-IT" sz="2800" b="1" dirty="0" smtClean="0"/>
+              <a:t>: i metodi chiave</a:t>
+            </a:r>
+            <a:endParaRPr lang="it-IT" sz="2800" b="1" dirty="0" smtClean="0"/>
+          </a:p>
+          <a:p>
+            <a:pPr algn="ctr"/>
+            <a:endParaRPr lang="it-IT" dirty="0">
+              <a:latin typeface="+mj-lt"/>
+            </a:endParaRPr>
+          </a:p>
+        </p:txBody>
+      </p:sp>
+      <p:sp>
+        <p:nvSpPr>
+          <p:cNvPr id="10" name="Content Placeholder 3"/>
+          <p:cNvSpPr txBox="1">
+            <a:spLocks/>
+          </p:cNvSpPr>
+          <p:nvPr/>
+        </p:nvSpPr>
+        <p:spPr>
+          <a:xfrm>
+            <a:off x="323528" y="1795352"/>
+            <a:ext cx="8177562" cy="4634044"/>
+          </a:xfrm>
+          <a:prstGeom prst="rect">
+            <a:avLst/>
+          </a:prstGeom>
+        </p:spPr>
+        <p:txBody>
+          <a:bodyPr tIns="0"/>
+          <a:lstStyle>
+            <a:lvl1pPr marL="274320" indent="-274320" algn="l" rtl="0" eaLnBrk="1" latinLnBrk="0" hangingPunct="1">
+              <a:spcBef>
+                <a:spcPct val="20000"/>
+              </a:spcBef>
+              <a:buClrTx/>
+              <a:buSzPct val="95000"/>
+              <a:buFont typeface="Wingdings" pitchFamily="2" charset="2"/>
+              <a:buChar char="v"/>
+              <a:defRPr kumimoji="0" sz="2800" kern="1200">
+                <a:solidFill>
+                  <a:schemeClr val="tx1"/>
+                </a:solidFill>
+                <a:latin typeface="+mn-lt"/>
+                <a:ea typeface="+mn-ea"/>
+                <a:cs typeface="+mn-cs"/>
+              </a:defRPr>
+            </a:lvl1pPr>
+            <a:lvl2pPr marL="640080" indent="-246888" algn="l" rtl="0" eaLnBrk="1" latinLnBrk="0" hangingPunct="1">
+              <a:spcBef>
+                <a:spcPct val="20000"/>
+              </a:spcBef>
+              <a:buClrTx/>
+              <a:buSzPct val="85000"/>
+              <a:buFont typeface="Courier New" pitchFamily="49" charset="0"/>
+              <a:buChar char="o"/>
+              <a:defRPr kumimoji="0" sz="2600" kern="1200">
+                <a:solidFill>
+                  <a:schemeClr val="tx1"/>
+                </a:solidFill>
+                <a:latin typeface="+mn-lt"/>
+                <a:ea typeface="+mn-ea"/>
+                <a:cs typeface="+mn-cs"/>
+              </a:defRPr>
+            </a:lvl2pPr>
+            <a:lvl3pPr marL="914400" indent="-246888" algn="l" rtl="0" eaLnBrk="1" latinLnBrk="0" hangingPunct="1">
+              <a:spcBef>
+                <a:spcPct val="20000"/>
+              </a:spcBef>
+              <a:buClrTx/>
+              <a:buSzPct val="70000"/>
+              <a:buFont typeface="Wingdings 2"/>
+              <a:buChar char=""/>
+              <a:defRPr kumimoji="0" sz="2400" kern="1200">
+                <a:solidFill>
+                  <a:schemeClr val="tx1"/>
+                </a:solidFill>
+                <a:latin typeface="+mn-lt"/>
+                <a:ea typeface="+mn-ea"/>
+                <a:cs typeface="+mn-cs"/>
+              </a:defRPr>
+            </a:lvl3pPr>
+            <a:lvl4pPr marL="1188720" indent="-210312" algn="l" rtl="0" eaLnBrk="1" latinLnBrk="0" hangingPunct="1">
+              <a:spcBef>
+                <a:spcPct val="20000"/>
+              </a:spcBef>
+              <a:buClrTx/>
+              <a:buSzPct val="65000"/>
+              <a:buFont typeface="Wingdings 2"/>
+              <a:buChar char=""/>
+              <a:defRPr kumimoji="0" sz="2000" kern="1200">
+                <a:solidFill>
+                  <a:schemeClr val="tx1"/>
+                </a:solidFill>
+                <a:latin typeface="+mn-lt"/>
+                <a:ea typeface="+mn-ea"/>
+                <a:cs typeface="+mn-cs"/>
+              </a:defRPr>
+            </a:lvl4pPr>
+            <a:lvl5pPr marL="1463040" indent="-210312" algn="l" rtl="0" eaLnBrk="1" latinLnBrk="0" hangingPunct="1">
+              <a:spcBef>
+                <a:spcPct val="20000"/>
+              </a:spcBef>
+              <a:buClrTx/>
+              <a:buSzPct val="65000"/>
+              <a:buFont typeface="Wingdings 2"/>
+              <a:buChar char=""/>
+              <a:defRPr kumimoji="0" sz="1800" kern="1200">
+                <a:solidFill>
+                  <a:schemeClr val="tx1"/>
+                </a:solidFill>
+                <a:latin typeface="+mn-lt"/>
+                <a:ea typeface="+mn-ea"/>
+                <a:cs typeface="+mn-cs"/>
+              </a:defRPr>
+            </a:lvl5pPr>
+            <a:lvl6pPr marL="1737360" indent="-210312" algn="l" rtl="0" eaLnBrk="1" latinLnBrk="0" hangingPunct="1">
+              <a:spcBef>
+                <a:spcPct val="20000"/>
+              </a:spcBef>
+              <a:buClr>
+                <a:schemeClr val="accent5"/>
+              </a:buClr>
+              <a:buSzPct val="80000"/>
+              <a:buFont typeface="Wingdings 2"/>
+              <a:buChar char=""/>
+              <a:defRPr kumimoji="0" sz="1800" kern="1200">
+                <a:solidFill>
+                  <a:schemeClr val="tx1"/>
+                </a:solidFill>
+                <a:latin typeface="+mn-lt"/>
+                <a:ea typeface="+mn-ea"/>
+                <a:cs typeface="+mn-cs"/>
+              </a:defRPr>
+            </a:lvl6pPr>
+            <a:lvl7pPr marL="1920240" indent="-182880" algn="l" rtl="0" eaLnBrk="1" latinLnBrk="0" hangingPunct="1">
+              <a:spcBef>
+                <a:spcPct val="20000"/>
+              </a:spcBef>
+              <a:buClr>
+                <a:schemeClr val="accent6"/>
+              </a:buClr>
+              <a:buSzPct val="80000"/>
+              <a:buFont typeface="Wingdings 2"/>
+              <a:buChar char=""/>
+              <a:defRPr kumimoji="0" sz="1600" kern="1200" baseline="0">
+                <a:solidFill>
+                  <a:schemeClr val="tx1"/>
+                </a:solidFill>
+                <a:latin typeface="+mn-lt"/>
+                <a:ea typeface="+mn-ea"/>
+                <a:cs typeface="+mn-cs"/>
+              </a:defRPr>
+            </a:lvl7pPr>
+            <a:lvl8pPr marL="2194560" indent="-182880" algn="l" rtl="0" eaLnBrk="1" latinLnBrk="0" hangingPunct="1">
+              <a:spcBef>
+                <a:spcPct val="20000"/>
+              </a:spcBef>
+              <a:buClr>
+                <a:schemeClr val="tx2"/>
+              </a:buClr>
+              <a:buChar char="•"/>
+              <a:defRPr kumimoji="0" sz="1600" kern="1200">
+                <a:solidFill>
+                  <a:schemeClr val="tx1"/>
+                </a:solidFill>
+                <a:latin typeface="+mn-lt"/>
+                <a:ea typeface="+mn-ea"/>
+                <a:cs typeface="+mn-cs"/>
+              </a:defRPr>
+            </a:lvl8pPr>
+            <a:lvl9pPr marL="2468880" indent="-182880" algn="l" rtl="0" eaLnBrk="1" latinLnBrk="0" hangingPunct="1">
+              <a:spcBef>
+                <a:spcPct val="20000"/>
+              </a:spcBef>
+              <a:buClr>
+                <a:schemeClr val="tx2"/>
+              </a:buClr>
+              <a:buFontTx/>
+              <a:buChar char="•"/>
+              <a:defRPr kumimoji="0" sz="1400" kern="1200" baseline="0">
+                <a:solidFill>
+                  <a:schemeClr val="tx1"/>
+                </a:solidFill>
+                <a:latin typeface="+mn-lt"/>
+                <a:ea typeface="+mn-ea"/>
+                <a:cs typeface="+mn-cs"/>
+              </a:defRPr>
+            </a:lvl9pPr>
+          </a:lstStyle>
+          <a:p>
+            <a:r>
+              <a:rPr lang="it-IT" b="1" dirty="0" err="1" smtClean="0"/>
+              <a:t>protected</a:t>
+            </a:r>
+            <a:r>
+              <a:rPr lang="it-IT" b="1" dirty="0" smtClean="0"/>
+              <a:t> </a:t>
+            </a:r>
+            <a:r>
+              <a:rPr lang="it-IT" b="1" dirty="0" smtClean="0"/>
+              <a:t>Assegnazione[] </a:t>
+            </a:r>
+            <a:r>
+              <a:rPr lang="it-IT" b="1" dirty="0" err="1" smtClean="0"/>
+              <a:t>creaAssegnazioni</a:t>
+            </a:r>
+            <a:r>
+              <a:rPr lang="it-IT" b="1" dirty="0" smtClean="0"/>
+              <a:t>(B </a:t>
+            </a:r>
+            <a:r>
+              <a:rPr lang="it-IT" b="1" dirty="0" err="1" smtClean="0"/>
+              <a:t>bean</a:t>
+            </a:r>
+            <a:r>
+              <a:rPr lang="it-IT" b="1" dirty="0" smtClean="0"/>
+              <a:t>)</a:t>
+            </a:r>
+            <a:r>
+              <a:rPr lang="it-IT" dirty="0" smtClean="0"/>
+              <a:t/>
+            </a:r>
+            <a:br>
+              <a:rPr lang="it-IT" dirty="0" smtClean="0"/>
+            </a:br>
+            <a:r>
+              <a:rPr lang="it-IT" dirty="0" smtClean="0"/>
+              <a:t>Metodo utilizzato dagli altri metodi di </a:t>
+            </a:r>
+            <a:r>
+              <a:rPr lang="it-IT" dirty="0" err="1" smtClean="0"/>
+              <a:t>DBBeans</a:t>
+            </a:r>
+            <a:r>
+              <a:rPr lang="it-IT" dirty="0" smtClean="0"/>
+              <a:t> per ricavare le assegnazioni predefinite relativamente a un </a:t>
+            </a:r>
+            <a:r>
+              <a:rPr lang="it-IT" dirty="0" err="1" smtClean="0"/>
+              <a:t>bean</a:t>
+            </a:r>
+            <a:r>
+              <a:rPr lang="it-IT" dirty="0" smtClean="0"/>
+              <a:t>.</a:t>
+            </a:r>
+            <a:br>
+              <a:rPr lang="it-IT" dirty="0" smtClean="0"/>
+            </a:br>
+            <a:r>
+              <a:rPr lang="it-IT" dirty="0" smtClean="0"/>
+              <a:t>Nella sua implementazione predefinita, questo metodo restituisce </a:t>
+            </a:r>
+            <a:r>
+              <a:rPr lang="it-IT" dirty="0" smtClean="0"/>
+              <a:t>sempre </a:t>
+            </a:r>
+            <a:r>
+              <a:rPr lang="it-IT" dirty="0" err="1" smtClean="0">
+                <a:hlinkClick r:id="rId2"/>
+              </a:rPr>
+              <a:t>NESSUNA_ASSEGNAZIONE</a:t>
+            </a:r>
+            <a:r>
+              <a:rPr lang="it-IT" dirty="0" smtClean="0"/>
+              <a:t>. </a:t>
+            </a:r>
+            <a:r>
+              <a:rPr lang="it-IT" dirty="0" smtClean="0"/>
+              <a:t>Le </a:t>
+            </a:r>
+            <a:r>
+              <a:rPr lang="it-IT" dirty="0" smtClean="0"/>
+              <a:t>classi estendenti possono sovrascrivere questo metodo per indicare in modo comodo delle assegnazioni predefinite per tutti i metodi di modifica della base di dati.</a:t>
+            </a:r>
+          </a:p>
+          <a:p>
             <a:endParaRPr lang="it-IT" dirty="0" smtClean="0"/>
           </a:p>
         </p:txBody>
@@ -6738,7 +7924,7 @@
         <p:spPr>
           <a:xfrm>
             <a:off x="571472" y="1643050"/>
-            <a:ext cx="7715304" cy="5072098"/>
+            <a:ext cx="7715304" cy="1425910"/>
           </a:xfrm>
           <a:prstGeom prst="rect">
             <a:avLst/>
@@ -7138,15 +8324,7 @@
             </a:pPr>
             <a:r>
               <a:rPr lang="it-IT" b="1" dirty="0" smtClean="0"/>
-              <a:t>Il compito </a:t>
-            </a:r>
-            <a:r>
-              <a:rPr lang="it-IT" b="1" dirty="0" err="1" smtClean="0"/>
-              <a:t>dell</a:t>
-            </a:r>
-            <a:r>
-              <a:rPr lang="it-IT" b="1" dirty="0" smtClean="0"/>
-              <a:t> pattern progettato è quello di portare un modello a oggetti in un database relazionale. </a:t>
+              <a:t>Il compito del pattern progettato è quello di portare un modello a oggetti in un database relazionale. </a:t>
             </a:r>
             <a:r>
               <a:rPr lang="it-IT" dirty="0" smtClean="0"/>
@@ -7236,17 +8414,8 @@
               <a:rPr lang="it-IT" sz="2800" b="1" dirty="0" smtClean="0">
                 <a:latin typeface="+mj-lt"/>
               </a:rPr>
-              <a:t>Diagramma delle </a:t>
-            </a:r>
-            <a:r>
-              <a:rPr lang="it-IT" sz="2800" b="1" dirty="0" smtClean="0">
-                <a:latin typeface="+mj-lt"/>
-              </a:rPr>
-              <a:t>classi- DA MODIFICARE</a:t>
-            </a:r>
-            <a:endParaRPr lang="it-IT" sz="2800" b="1" dirty="0" smtClean="0">
-              <a:latin typeface="+mj-lt"/>
-            </a:endParaRPr>
+              <a:t>Diagramma delle classi- DA MODIFICARE</a:t>
+            </a:r>
           </a:p>
           <a:p>
             <a:pPr algn="ctr"/>
@@ -7530,8 +8699,8 @@
         </p:nvSpPr>
         <p:spPr>
           <a:xfrm>
-            <a:off x="1662364" y="428604"/>
-            <a:ext cx="5767156" cy="1538883"/>
+            <a:off x="1158252" y="428604"/>
+            <a:ext cx="6775381" cy="1538883"/>
           </a:xfrm>
           <a:prstGeom prst="rect">
             <a:avLst/>
@@ -7555,38 +8724,14 @@
           <a:p>
             <a:pPr algn="ctr"/>
             <a:r>
-              <a:rPr lang="it-IT" sz="2800" b="1" dirty="0" err="1" smtClean="0">
-                <a:latin typeface="+mj-lt"/>
-              </a:rPr>
-              <a:t>DbBeans</a:t>
-            </a:r>
-            <a:r>
-              <a:rPr lang="it-IT" sz="2800" b="1" dirty="0" smtClean="0">
-                <a:latin typeface="+mj-lt"/>
-              </a:rPr>
-              <a:t> </a:t>
-            </a:r>
-            <a:r>
-              <a:rPr lang="it-IT" sz="2800" b="1" dirty="0" err="1" smtClean="0">
-                <a:latin typeface="+mj-lt"/>
-              </a:rPr>
-              <a:t>adapter</a:t>
-            </a:r>
-            <a:r>
-              <a:rPr lang="it-IT" sz="2800" b="1" dirty="0" smtClean="0">
-                <a:latin typeface="+mj-lt"/>
-              </a:rPr>
-              <a:t> del </a:t>
-            </a:r>
-            <a:r>
-              <a:rPr lang="it-IT" sz="2800" b="1" dirty="0" err="1" smtClean="0">
-                <a:latin typeface="+mj-lt"/>
-              </a:rPr>
+              <a:rPr lang="it-IT" sz="2800" b="1" dirty="0" smtClean="0"/>
+              <a:t>Breve descrizione delle classi del </a:t>
+            </a:r>
+            <a:r>
+              <a:rPr lang="it-IT" sz="2800" b="1" dirty="0" err="1" smtClean="0"/>
               <a:t>framework</a:t>
             </a:r>
-            <a:endParaRPr lang="it-IT" sz="2800" b="1" dirty="0" smtClean="0">
-              <a:latin typeface="+mj-lt"/>
-            </a:endParaRPr>
+            <a:endParaRPr lang="it-IT" sz="2800" b="1" dirty="0" smtClean="0"/>
           </a:p>
           <a:p>
             <a:pPr algn="ctr"/>
@@ -7776,20 +8921,102 @@
             </a:lvl9pPr>
           </a:lstStyle>
           <a:p>
-            <a:pPr>
-              <a:buNone/>
-            </a:pPr>
+            <a:r>
+              <a:rPr lang="it-IT" b="1" dirty="0" err="1" smtClean="0"/>
+              <a:t>ManagerDB</a:t>
+            </a:r>
+            <a:r>
+              <a:rPr lang="it-IT" dirty="0" smtClean="0"/>
+              <a:t>: è l'interfaccia che contiene i metodi che si useranno per gestire una qualunque </a:t>
+            </a:r>
+            <a:r>
+              <a:rPr lang="it-IT" dirty="0" smtClean="0"/>
+              <a:t>tabella </a:t>
+            </a:r>
+            <a:r>
+              <a:rPr lang="it-IT" dirty="0" smtClean="0"/>
+              <a:t>del database. Nel nostro caso vi è </a:t>
+            </a:r>
+            <a:r>
+              <a:rPr lang="it-IT" dirty="0" smtClean="0"/>
+              <a:t>un'unica classe(Tabella</a:t>
+            </a:r>
+            <a:r>
+              <a:rPr lang="it-IT" dirty="0" smtClean="0"/>
+              <a:t>) che implementa </a:t>
+            </a:r>
+            <a:r>
+              <a:rPr lang="it-IT" i="1" dirty="0" err="1" smtClean="0"/>
+              <a:t>ManagerDB</a:t>
+            </a:r>
+            <a:r>
+              <a:rPr lang="it-IT" dirty="0" smtClean="0"/>
+              <a:t>.</a:t>
+            </a:r>
+          </a:p>
+          <a:p>
+            <a:r>
+              <a:rPr lang="it-IT" dirty="0" smtClean="0"/>
+              <a:t>La </a:t>
+            </a:r>
+            <a:r>
+              <a:rPr lang="it-IT" dirty="0" smtClean="0"/>
+              <a:t>classe </a:t>
+            </a:r>
             <a:r>
               <a:rPr lang="it-IT" b="1" dirty="0" smtClean="0"/>
-              <a:t>DESCRIZIONE </a:t>
-            </a:r>
-            <a:r>
-              <a:rPr lang="it-IT" b="1" dirty="0" err="1" smtClean="0"/>
-              <a:t>ADpter</a:t>
+              <a:t>Database</a:t>
+            </a:r>
+            <a:r>
+              <a:rPr lang="it-IT" dirty="0" smtClean="0"/>
+              <a:t> si occupa di gestire la connessione al database ed al suo interno contiene dei metodi generici per eseguire delle </a:t>
+            </a:r>
+            <a:r>
+              <a:rPr lang="it-IT" dirty="0" err="1" smtClean="0"/>
+              <a:t>query</a:t>
+            </a:r>
+            <a:r>
+              <a:rPr lang="it-IT" dirty="0" smtClean="0"/>
+              <a:t> sul database del sistema</a:t>
+            </a:r>
+            <a:r>
+              <a:rPr lang="it-IT" dirty="0" smtClean="0"/>
+              <a:t>.</a:t>
+            </a:r>
+            <a:endParaRPr lang="it-IT" dirty="0" smtClean="0"/>
+          </a:p>
+          <a:p>
+            <a:r>
+              <a:rPr lang="it-IT" dirty="0" smtClean="0"/>
+              <a:t>La classe </a:t>
             </a:r>
             <a:r>
               <a:rPr lang="it-IT" b="1" dirty="0" smtClean="0"/>
-              <a:t>?</a:t>
+              <a:t>Tabella</a:t>
+            </a:r>
+            <a:r>
+              <a:rPr lang="it-IT" dirty="0" smtClean="0"/>
+              <a:t> ha al suo interno un oggetto </a:t>
+            </a:r>
+            <a:r>
+              <a:rPr lang="it-IT" i="1" dirty="0" smtClean="0"/>
+              <a:t>Database</a:t>
+            </a:r>
+            <a:r>
+              <a:rPr lang="it-IT" dirty="0" smtClean="0"/>
+              <a:t> </a:t>
+            </a:r>
+            <a:r>
+              <a:rPr lang="it-IT" dirty="0" smtClean="0"/>
+              <a:t>e rappresenta la tabella del </a:t>
+            </a:r>
+            <a:r>
+              <a:rPr lang="it-IT" dirty="0" err="1" smtClean="0"/>
+              <a:t>bean</a:t>
+            </a:r>
+            <a:r>
+              <a:rPr lang="it-IT" dirty="0" smtClean="0"/>
+              <a:t> nel database.</a:t>
             </a:r>
             <a:endParaRPr lang="it-IT" dirty="0" smtClean="0"/>
           </a:p>
@@ -7848,8 +9075,8 @@
         </p:nvSpPr>
         <p:spPr>
           <a:xfrm>
-            <a:off x="1662364" y="428604"/>
-            <a:ext cx="5767156" cy="1538883"/>
+            <a:off x="1170276" y="428604"/>
+            <a:ext cx="6751335" cy="1538883"/>
           </a:xfrm>
           <a:prstGeom prst="rect">
             <a:avLst/>
@@ -7873,11 +9100,14 @@
           <a:p>
             <a:pPr algn="ctr"/>
             <a:r>
-              <a:rPr lang="it-IT" sz="2800" b="1" dirty="0" smtClean="0">
-                <a:latin typeface="+mj-lt"/>
-              </a:rPr>
-              <a:t>Descrizione breve delle classi</a:t>
-            </a:r>
+              <a:rPr lang="it-IT" sz="2800" b="1" dirty="0" smtClean="0"/>
+              <a:t>Breve descrizione delle classi del </a:t>
+            </a:r>
+            <a:r>
+              <a:rPr lang="it-IT" sz="2800" b="1" dirty="0" err="1" smtClean="0"/>
+              <a:t>framework</a:t>
+            </a:r>
+            <a:endParaRPr lang="it-IT" sz="2800" b="1" dirty="0" smtClean="0"/>
           </a:p>
           <a:p>
             <a:pPr algn="ctr"/>
@@ -8069,11 +9299,49 @@
           <a:p>
             <a:r>
               <a:rPr lang="it-IT" b="1" dirty="0" err="1" smtClean="0"/>
-              <a:t>ManagerDB</a:t>
+              <a:t>DbBeansInterface</a:t>
             </a:r>
             <a:r>
               <a:rPr lang="it-IT" dirty="0" smtClean="0"/>
-              <a:t>: è l'interfaccia che contiene i metodi che si useranno per gestire una qualunque </a:t>
+              <a:t> è una interfaccia in cui sono dichiarati i metodi </a:t>
+            </a:r>
+            <a:r>
+              <a:rPr lang="it-IT" dirty="0" smtClean="0"/>
+              <a:t> che devono essere implementati ai </a:t>
+            </a:r>
+            <a:r>
+              <a:rPr lang="it-IT" dirty="0" smtClean="0"/>
+              <a:t>fini di un corretto funzionamento del </a:t>
+            </a:r>
+            <a:r>
+              <a:rPr lang="it-IT" dirty="0" err="1" smtClean="0"/>
+              <a:t>framework</a:t>
+            </a:r>
+            <a:r>
+              <a:rPr lang="it-IT" dirty="0" smtClean="0"/>
+              <a:t> </a:t>
+            </a:r>
+            <a:r>
+              <a:rPr lang="it-IT" dirty="0" smtClean="0"/>
+              <a:t>.</a:t>
+            </a:r>
+          </a:p>
+          <a:p>
+            <a:r>
+              <a:rPr lang="it-IT" b="1" dirty="0" err="1" smtClean="0"/>
+              <a:t>DbBeans</a:t>
+            </a:r>
+            <a:r>
+              <a:rPr lang="it-IT" dirty="0" smtClean="0"/>
+              <a:t> è una classe che </a:t>
+            </a:r>
+            <a:r>
+              <a:rPr lang="it-IT" dirty="0" smtClean="0"/>
+              <a:t>implementa metodi </a:t>
+            </a:r>
+            <a:r>
+              <a:rPr lang="it-IT" dirty="0" smtClean="0"/>
+              <a:t>per effettuare le operazioni più comuni sul database </a:t>
             </a:r>
           </a:p>
           <a:p>
@@ -8082,60 +9350,44 @@
             </a:pPr>
             <a:r>
               <a:rPr lang="it-IT" dirty="0" smtClean="0"/>
-              <a:t>	tabella del database. Nel nostro caso vi è un'unica classe(Tabella) che implementa </a:t>
-            </a:r>
-            <a:r>
-              <a:rPr lang="it-IT" i="1" dirty="0" err="1" smtClean="0"/>
-              <a:t>ManagerDB</a:t>
+              <a:t>	</a:t>
             </a:r>
             <a:r>
               <a:rPr lang="it-IT" dirty="0" smtClean="0"/>
-              <a:t>.</a:t>
-            </a:r>
-          </a:p>
-          <a:p>
+              <a:t>e contiene </a:t>
+            </a:r>
             <a:r>
               <a:rPr lang="it-IT" dirty="0" smtClean="0"/>
-              <a:t>La classe </a:t>
-            </a:r>
-            <a:r>
-              <a:rPr lang="it-IT" b="1" dirty="0" smtClean="0"/>
+              <a:t>un </a:t>
+            </a:r>
+            <a:r>
+              <a:rPr lang="it-IT" dirty="0" smtClean="0"/>
+              <a:t>oggetto </a:t>
+            </a:r>
+            <a:r>
+              <a:rPr lang="it-IT" i="1" dirty="0" smtClean="0"/>
               <a:t>Tabella</a:t>
             </a:r>
             <a:r>
               <a:rPr lang="it-IT" dirty="0" smtClean="0"/>
-              <a:t> ha al suo interno un oggetto </a:t>
-            </a:r>
-            <a:r>
-              <a:rPr lang="it-IT" i="1" dirty="0" smtClean="0"/>
-              <a:t>Database</a:t>
+              <a:t> </a:t>
             </a:r>
             <a:r>
               <a:rPr lang="it-IT" dirty="0" smtClean="0"/>
-              <a:t>.</a:t>
-            </a:r>
-          </a:p>
-          <a:p>
+              <a:t>che verrà istanziato da ogni classe che estende </a:t>
+            </a:r>
+            <a:r>
+              <a:rPr lang="it-IT" dirty="0" err="1" smtClean="0"/>
+              <a:t>estende</a:t>
+            </a:r>
             <a:r>
               <a:rPr lang="it-IT" dirty="0" smtClean="0"/>
-              <a:t>La classe </a:t>
-            </a:r>
-            <a:r>
-              <a:rPr lang="it-IT" b="1" dirty="0" smtClean="0"/>
-              <a:t>Database</a:t>
-            </a:r>
-            <a:r>
-              <a:rPr lang="it-IT" dirty="0" smtClean="0"/>
-              <a:t> si occupa di gestire la connessione al database ed al suo interno contiene dei metodi generici per eseguire delle </a:t>
-            </a:r>
-            <a:r>
-              <a:rPr lang="it-IT" dirty="0" err="1" smtClean="0"/>
-              <a:t>query</a:t>
-            </a:r>
-            <a:r>
-              <a:rPr lang="it-IT" dirty="0" smtClean="0"/>
-              <a:t> sul database del sistema.</a:t>
-            </a:r>
+              <a:t> la suddetta. </a:t>
+            </a:r>
+            <a:endParaRPr lang="it-IT" dirty="0" smtClean="0"/>
+          </a:p>
+          <a:p>
+            <a:endParaRPr lang="it-IT" dirty="0" smtClean="0"/>
           </a:p>
         </p:txBody>
       </p:sp>

--- a/trunk/Presentazione/Atsilo1/Scafuro/[BOZZA] Presentazione framework.pptx
+++ b/trunk/Presentazione/Atsilo1/Scafuro/[BOZZA] Presentazione framework.pptx
@@ -206,7 +206,7 @@
             <a:fld id="{38D78F4D-402C-46E0-A4BB-DF91EA86B14C}" type="datetimeFigureOut">
               <a:rPr lang="it-IT" smtClean="0"/>
               <a:pPr/>
-              <a:t>28/12/2012</a:t>
+              <a:t>29/12/2012</a:t>
             </a:fld>
             <a:endParaRPr lang="it-IT"/>
           </a:p>
@@ -375,7 +375,7 @@
     </p:spTree>
     <p:extLst>
       <p:ext uri="{BB962C8B-B14F-4D97-AF65-F5344CB8AC3E}">
-        <p14:creationId xmlns:p14="http://schemas.microsoft.com/office/powerpoint/2010/main" xmlns="" val="2126419590"/>
+        <p14:creationId xmlns="" xmlns:p14="http://schemas.microsoft.com/office/powerpoint/2010/main" val="2126419590"/>
       </p:ext>
     </p:extLst>
   </p:cSld>
@@ -641,7 +641,7 @@
             <a:fld id="{63CABBC0-75E4-43BB-A6A6-84C2A96BDB82}" type="datetimeFigureOut">
               <a:rPr lang="it-IT" smtClean="0"/>
               <a:pPr/>
-              <a:t>28/12/2012</a:t>
+              <a:t>29/12/2012</a:t>
             </a:fld>
             <a:endParaRPr lang="it-IT"/>
           </a:p>
@@ -695,6 +695,9 @@
   <p:clrMapOvr>
     <a:masterClrMapping/>
   </p:clrMapOvr>
+  <p:transition spd="slow">
+    <p:fade thruBlk="1"/>
+  </p:transition>
   <p:timing>
     <p:tnLst>
       <p:par>
@@ -823,7 +826,7 @@
             <a:fld id="{63CABBC0-75E4-43BB-A6A6-84C2A96BDB82}" type="datetimeFigureOut">
               <a:rPr lang="it-IT" smtClean="0"/>
               <a:pPr/>
-              <a:t>28/12/2012</a:t>
+              <a:t>29/12/2012</a:t>
             </a:fld>
             <a:endParaRPr lang="it-IT"/>
           </a:p>
@@ -877,6 +880,9 @@
   <p:clrMapOvr>
     <a:masterClrMapping/>
   </p:clrMapOvr>
+  <p:transition spd="slow">
+    <p:fade thruBlk="1"/>
+  </p:transition>
   <p:timing>
     <p:tnLst>
       <p:par>
@@ -1015,7 +1021,7 @@
             <a:fld id="{63CABBC0-75E4-43BB-A6A6-84C2A96BDB82}" type="datetimeFigureOut">
               <a:rPr lang="it-IT" smtClean="0"/>
               <a:pPr/>
-              <a:t>28/12/2012</a:t>
+              <a:t>29/12/2012</a:t>
             </a:fld>
             <a:endParaRPr lang="it-IT"/>
           </a:p>
@@ -1069,6 +1075,9 @@
   <p:clrMapOvr>
     <a:masterClrMapping/>
   </p:clrMapOvr>
+  <p:transition spd="slow">
+    <p:fade thruBlk="1"/>
+  </p:transition>
   <p:timing>
     <p:tnLst>
       <p:par>
@@ -1197,7 +1206,7 @@
             <a:fld id="{63CABBC0-75E4-43BB-A6A6-84C2A96BDB82}" type="datetimeFigureOut">
               <a:rPr lang="it-IT" smtClean="0"/>
               <a:pPr/>
-              <a:t>28/12/2012</a:t>
+              <a:t>29/12/2012</a:t>
             </a:fld>
             <a:endParaRPr lang="it-IT"/>
           </a:p>
@@ -1251,6 +1260,9 @@
   <p:clrMapOvr>
     <a:masterClrMapping/>
   </p:clrMapOvr>
+  <p:transition spd="slow">
+    <p:fade thruBlk="1"/>
+  </p:transition>
   <p:timing>
     <p:tnLst>
       <p:par>
@@ -1440,7 +1452,7 @@
             <a:fld id="{63CABBC0-75E4-43BB-A6A6-84C2A96BDB82}" type="datetimeFigureOut">
               <a:rPr lang="it-IT" smtClean="0"/>
               <a:pPr/>
-              <a:t>28/12/2012</a:t>
+              <a:t>29/12/2012</a:t>
             </a:fld>
             <a:endParaRPr lang="it-IT"/>
           </a:p>
@@ -1494,6 +1506,9 @@
   <p:clrMapOvr>
     <a:masterClrMapping/>
   </p:clrMapOvr>
+  <p:transition spd="slow">
+    <p:fade thruBlk="1"/>
+  </p:transition>
   <p:timing>
     <p:tnLst>
       <p:par>
@@ -1721,7 +1736,7 @@
             <a:fld id="{63CABBC0-75E4-43BB-A6A6-84C2A96BDB82}" type="datetimeFigureOut">
               <a:rPr lang="it-IT" smtClean="0"/>
               <a:pPr/>
-              <a:t>28/12/2012</a:t>
+              <a:t>29/12/2012</a:t>
             </a:fld>
             <a:endParaRPr lang="it-IT"/>
           </a:p>
@@ -1775,6 +1790,9 @@
   <p:clrMapOvr>
     <a:masterClrMapping/>
   </p:clrMapOvr>
+  <p:transition spd="slow">
+    <p:fade thruBlk="1"/>
+  </p:transition>
   <p:timing>
     <p:tnLst>
       <p:par>
@@ -2112,7 +2130,7 @@
             <a:fld id="{63CABBC0-75E4-43BB-A6A6-84C2A96BDB82}" type="datetimeFigureOut">
               <a:rPr lang="it-IT" smtClean="0"/>
               <a:pPr/>
-              <a:t>28/12/2012</a:t>
+              <a:t>29/12/2012</a:t>
             </a:fld>
             <a:endParaRPr lang="it-IT"/>
           </a:p>
@@ -2166,6 +2184,9 @@
   <p:clrMapOvr>
     <a:masterClrMapping/>
   </p:clrMapOvr>
+  <p:transition spd="slow">
+    <p:fade thruBlk="1"/>
+  </p:transition>
   <p:timing>
     <p:tnLst>
       <p:par>
@@ -2271,7 +2292,7 @@
             <a:fld id="{63CABBC0-75E4-43BB-A6A6-84C2A96BDB82}" type="datetimeFigureOut">
               <a:rPr lang="it-IT" smtClean="0"/>
               <a:pPr/>
-              <a:t>28/12/2012</a:t>
+              <a:t>29/12/2012</a:t>
             </a:fld>
             <a:endParaRPr lang="it-IT"/>
           </a:p>
@@ -2325,6 +2346,9 @@
   <p:clrMapOvr>
     <a:masterClrMapping/>
   </p:clrMapOvr>
+  <p:transition spd="slow">
+    <p:fade thruBlk="1"/>
+  </p:transition>
   <p:timing>
     <p:tnLst>
       <p:par>
@@ -2370,7 +2394,7 @@
             <a:fld id="{63CABBC0-75E4-43BB-A6A6-84C2A96BDB82}" type="datetimeFigureOut">
               <a:rPr lang="it-IT" smtClean="0"/>
               <a:pPr/>
-              <a:t>28/12/2012</a:t>
+              <a:t>29/12/2012</a:t>
             </a:fld>
             <a:endParaRPr lang="it-IT"/>
           </a:p>
@@ -2424,6 +2448,9 @@
   <p:clrMapOvr>
     <a:masterClrMapping/>
   </p:clrMapOvr>
+  <p:transition spd="slow">
+    <p:fade thruBlk="1"/>
+  </p:transition>
   <p:timing>
     <p:tnLst>
       <p:par>
@@ -2640,7 +2667,7 @@
             <a:fld id="{63CABBC0-75E4-43BB-A6A6-84C2A96BDB82}" type="datetimeFigureOut">
               <a:rPr lang="it-IT" smtClean="0"/>
               <a:pPr/>
-              <a:t>28/12/2012</a:t>
+              <a:t>29/12/2012</a:t>
             </a:fld>
             <a:endParaRPr lang="it-IT"/>
           </a:p>
@@ -2694,6 +2721,9 @@
   <p:clrMapOvr>
     <a:masterClrMapping/>
   </p:clrMapOvr>
+  <p:transition spd="slow">
+    <p:fade thruBlk="1"/>
+  </p:transition>
   <p:timing>
     <p:tnLst>
       <p:par>
@@ -2937,7 +2967,7 @@
             <a:fld id="{63CABBC0-75E4-43BB-A6A6-84C2A96BDB82}" type="datetimeFigureOut">
               <a:rPr lang="it-IT" smtClean="0"/>
               <a:pPr/>
-              <a:t>28/12/2012</a:t>
+              <a:t>29/12/2012</a:t>
             </a:fld>
             <a:endParaRPr lang="it-IT"/>
           </a:p>
@@ -3298,6 +3328,9 @@
   <p:clrMapOvr>
     <a:masterClrMapping/>
   </p:clrMapOvr>
+  <p:transition spd="slow">
+    <p:fade thruBlk="1"/>
+  </p:transition>
   <p:timing>
     <p:tnLst>
       <p:par>
@@ -3717,7 +3750,7 @@
             <a:fld id="{63CABBC0-75E4-43BB-A6A6-84C2A96BDB82}" type="datetimeFigureOut">
               <a:rPr lang="it-IT" smtClean="0"/>
               <a:pPr/>
-              <a:t>28/12/2012</a:t>
+              <a:t>29/12/2012</a:t>
             </a:fld>
             <a:endParaRPr lang="it-IT"/>
           </a:p>
@@ -4032,6 +4065,9 @@
     <p:sldLayoutId id="2147483694" r:id="rId10"/>
     <p:sldLayoutId id="2147483695" r:id="rId11"/>
   </p:sldLayoutIdLst>
+  <p:transition spd="slow">
+    <p:fade thruBlk="1"/>
+  </p:transition>
   <p:timing>
     <p:tnLst>
       <p:par>
@@ -4603,11 +4639,7 @@
             </a:r>
             <a:r>
               <a:rPr lang="it-IT" dirty="0" smtClean="0"/>
-              <a:t>, sulla base dati, </a:t>
-            </a:r>
-            <a:r>
-              <a:rPr lang="it-IT" dirty="0" smtClean="0"/>
-              <a:t>al </a:t>
+              <a:t>, sulla base dati, al </a:t>
             </a:r>
             <a:r>
               <a:rPr lang="it-IT" dirty="0" err="1" smtClean="0"/>
@@ -4619,11 +4651,7 @@
             </a:r>
             <a:r>
               <a:rPr lang="it-IT" i="1" dirty="0" err="1" smtClean="0"/>
-              <a:t>C</a:t>
-            </a:r>
-            <a:r>
-              <a:rPr lang="it-IT" i="1" dirty="0" err="1" smtClean="0"/>
-              <a:t>ontrol</a:t>
+              <a:t>Control</a:t>
             </a:r>
             <a:r>
               <a:rPr lang="it-IT" dirty="0" smtClean="0"/>
@@ -4696,21 +4724,16 @@
     </p:spTree>
     <p:extLst>
       <p:ext uri="{BB962C8B-B14F-4D97-AF65-F5344CB8AC3E}">
-        <p14:creationId xmlns:p14="http://schemas.microsoft.com/office/powerpoint/2010/main" xmlns="" val="155874689"/>
+        <p14:creationId xmlns="" xmlns:p14="http://schemas.microsoft.com/office/powerpoint/2010/main" val="155874689"/>
       </p:ext>
     </p:extLst>
   </p:cSld>
   <p:clrMapOvr>
     <a:masterClrMapping/>
   </p:clrMapOvr>
-  <mc:AlternateContent xmlns:mc="http://schemas.openxmlformats.org/markup-compatibility/2006">
-    <mc:Choice xmlns:p14="http://schemas.microsoft.com/office/powerpoint/2010/main" xmlns="" Requires="p14">
-      <p:transition spd="slow" p14:dur="2000"/>
-    </mc:Choice>
-    <mc:Fallback>
-      <p:transition spd="slow"/>
-    </mc:Fallback>
-  </mc:AlternateContent>
+  <p:transition spd="slow">
+    <p:fade thruBlk="1"/>
+  </p:transition>
   <p:timing>
     <p:tnLst>
       <p:par>
@@ -4765,18 +4788,21 @@
               <a:rPr lang="it-IT" sz="4800" b="1" dirty="0" smtClean="0">
                 <a:latin typeface="+mj-lt"/>
               </a:rPr>
-              <a:t>Progettazione pattern</a:t>
-            </a:r>
+              <a:t>Progettazione </a:t>
+            </a:r>
+            <a:r>
+              <a:rPr lang="it-IT" sz="4800" b="1" dirty="0" err="1" smtClean="0"/>
+              <a:t>framework</a:t>
+            </a:r>
+            <a:endParaRPr lang="it-IT" sz="4800" b="1" dirty="0" smtClean="0">
+              <a:latin typeface="+mj-lt"/>
+            </a:endParaRPr>
           </a:p>
           <a:p>
             <a:pPr algn="ctr"/>
             <a:r>
               <a:rPr lang="it-IT" sz="2800" b="1" dirty="0" smtClean="0"/>
-              <a:t>Breve descrizione delle </a:t>
-            </a:r>
-            <a:r>
-              <a:rPr lang="it-IT" sz="2800" b="1" dirty="0" smtClean="0"/>
-              <a:t>classi del </a:t>
+              <a:t>Breve descrizione delle classi del </a:t>
             </a:r>
             <a:r>
               <a:rPr lang="it-IT" sz="2800" b="1" dirty="0" err="1" smtClean="0"/>
@@ -4974,11 +5000,7 @@
           <a:p>
             <a:r>
               <a:rPr lang="it-IT" b="1" dirty="0" smtClean="0"/>
-              <a:t>DB</a:t>
-            </a:r>
-            <a:r>
-              <a:rPr lang="it-IT" b="1" dirty="0" smtClean="0"/>
-              <a:t>''</a:t>
+              <a:t>DB''</a:t>
             </a:r>
             <a:r>
               <a:rPr lang="it-IT" b="1" dirty="0" err="1" smtClean="0"/>
@@ -5056,21 +5078,16 @@
     </p:spTree>
     <p:extLst>
       <p:ext uri="{BB962C8B-B14F-4D97-AF65-F5344CB8AC3E}">
-        <p14:creationId xmlns:p14="http://schemas.microsoft.com/office/powerpoint/2010/main" xmlns="" val="155874689"/>
+        <p14:creationId xmlns="" xmlns:p14="http://schemas.microsoft.com/office/powerpoint/2010/main" val="155874689"/>
       </p:ext>
     </p:extLst>
   </p:cSld>
   <p:clrMapOvr>
     <a:masterClrMapping/>
   </p:clrMapOvr>
-  <mc:AlternateContent xmlns:mc="http://schemas.openxmlformats.org/markup-compatibility/2006">
-    <mc:Choice xmlns:p14="http://schemas.microsoft.com/office/powerpoint/2010/main" xmlns="" Requires="p14">
-      <p:transition spd="slow" p14:dur="2000"/>
-    </mc:Choice>
-    <mc:Fallback>
-      <p:transition spd="slow"/>
-    </mc:Fallback>
-  </mc:AlternateContent>
+  <p:transition spd="slow">
+    <p:fade thruBlk="1"/>
+  </p:transition>
   <p:timing>
     <p:tnLst>
       <p:par>
@@ -5106,8 +5123,8 @@
         </p:nvSpPr>
         <p:spPr>
           <a:xfrm>
-            <a:off x="1662366" y="428604"/>
-            <a:ext cx="5767155" cy="1538883"/>
+            <a:off x="1206920" y="428604"/>
+            <a:ext cx="6678047" cy="1538883"/>
           </a:xfrm>
           <a:prstGeom prst="rect">
             <a:avLst/>
@@ -5125,8 +5142,15 @@
               <a:rPr lang="it-IT" sz="4800" b="1" dirty="0" smtClean="0">
                 <a:latin typeface="+mj-lt"/>
               </a:rPr>
-              <a:t>Progettazione pattern</a:t>
-            </a:r>
+              <a:t>Progettazione </a:t>
+            </a:r>
+            <a:r>
+              <a:rPr lang="it-IT" sz="4800" b="1" dirty="0" err="1" smtClean="0"/>
+              <a:t>framework</a:t>
+            </a:r>
+            <a:endParaRPr lang="it-IT" sz="4800" b="1" dirty="0" smtClean="0">
+              <a:latin typeface="+mj-lt"/>
+            </a:endParaRPr>
           </a:p>
           <a:p>
             <a:pPr algn="ctr"/>
@@ -5379,11 +5403,7 @@
             </a:pPr>
             <a:r>
               <a:rPr lang="it-IT" dirty="0" smtClean="0"/>
-              <a:t>e</a:t>
-            </a:r>
-            <a:r>
-              <a:rPr lang="it-IT" dirty="0" smtClean="0"/>
-              <a:t>reditate dalle classi per la gestione dei</a:t>
+              <a:t>ereditate dalle classi per la gestione dei</a:t>
             </a:r>
           </a:p>
           <a:p>
@@ -5405,11 +5425,7 @@
             </a:pPr>
             <a:r>
               <a:rPr lang="it-IT" dirty="0" smtClean="0"/>
-              <a:t>d</a:t>
-            </a:r>
-            <a:r>
-              <a:rPr lang="it-IT" dirty="0" smtClean="0"/>
-              <a:t>elle variabili con i nomi dei relativi </a:t>
+              <a:t>delle variabili con i nomi dei relativi </a:t>
             </a:r>
           </a:p>
           <a:p>
@@ -5418,11 +5434,7 @@
             </a:pPr>
             <a:r>
               <a:rPr lang="it-IT" dirty="0" smtClean="0"/>
-              <a:t>a</a:t>
-            </a:r>
-            <a:r>
-              <a:rPr lang="it-IT" dirty="0" smtClean="0"/>
-              <a:t>ttributi.</a:t>
+              <a:t>attributi.</a:t>
             </a:r>
           </a:p>
         </p:txBody>
@@ -5470,21 +5482,16 @@
     </p:spTree>
     <p:extLst>
       <p:ext uri="{BB962C8B-B14F-4D97-AF65-F5344CB8AC3E}">
-        <p14:creationId xmlns:p14="http://schemas.microsoft.com/office/powerpoint/2010/main" xmlns="" val="155874689"/>
+        <p14:creationId xmlns="" xmlns:p14="http://schemas.microsoft.com/office/powerpoint/2010/main" val="155874689"/>
       </p:ext>
     </p:extLst>
   </p:cSld>
   <p:clrMapOvr>
     <a:masterClrMapping/>
   </p:clrMapOvr>
-  <mc:AlternateContent xmlns:mc="http://schemas.openxmlformats.org/markup-compatibility/2006">
-    <mc:Choice xmlns:p14="http://schemas.microsoft.com/office/powerpoint/2010/main" xmlns="" Requires="p14">
-      <p:transition spd="slow" p14:dur="2000"/>
-    </mc:Choice>
-    <mc:Fallback>
-      <p:transition spd="slow"/>
-    </mc:Fallback>
-  </mc:AlternateContent>
+  <p:transition spd="slow">
+    <p:fade thruBlk="1"/>
+  </p:transition>
   <p:timing>
     <p:tnLst>
       <p:par>
@@ -5520,8 +5527,8 @@
         </p:nvSpPr>
         <p:spPr>
           <a:xfrm>
-            <a:off x="1662366" y="428604"/>
-            <a:ext cx="5767155" cy="1538883"/>
+            <a:off x="1206920" y="428604"/>
+            <a:ext cx="6678047" cy="1538883"/>
           </a:xfrm>
           <a:prstGeom prst="rect">
             <a:avLst/>
@@ -5539,8 +5546,15 @@
               <a:rPr lang="it-IT" sz="4800" b="1" dirty="0" smtClean="0">
                 <a:latin typeface="+mj-lt"/>
               </a:rPr>
-              <a:t>Progettazione pattern</a:t>
-            </a:r>
+              <a:t>Progettazione </a:t>
+            </a:r>
+            <a:r>
+              <a:rPr lang="it-IT" sz="4800" b="1" dirty="0" err="1" smtClean="0"/>
+              <a:t>framework</a:t>
+            </a:r>
+            <a:endParaRPr lang="it-IT" sz="4800" b="1" dirty="0" smtClean="0">
+              <a:latin typeface="+mj-lt"/>
+            </a:endParaRPr>
           </a:p>
           <a:p>
             <a:pPr algn="ctr"/>
@@ -5552,7 +5566,6 @@
               <a:rPr lang="it-IT" sz="2800" b="1" dirty="0" smtClean="0"/>
               <a:t>: i metodi chiave</a:t>
             </a:r>
-            <a:endParaRPr lang="it-IT" sz="2800" b="1" dirty="0" smtClean="0"/>
           </a:p>
           <a:p>
             <a:pPr algn="ctr"/>
@@ -5763,7 +5776,23 @@
             </a:r>
             <a:r>
               <a:rPr lang="it-IT" dirty="0" smtClean="0"/>
-              <a:t> il pattern possa funzionare.</a:t>
+              <a:t> il </a:t>
+            </a:r>
+            <a:r>
+              <a:rPr lang="it-IT" dirty="0" err="1" smtClean="0"/>
+              <a:t>framework</a:t>
+            </a:r>
+            <a:r>
+              <a:rPr lang="it-IT" b="1" dirty="0" smtClean="0"/>
+              <a:t> </a:t>
+            </a:r>
+            <a:r>
+              <a:rPr lang="it-IT" dirty="0" smtClean="0"/>
+              <a:t>possa </a:t>
+            </a:r>
+            <a:r>
+              <a:rPr lang="it-IT" dirty="0" smtClean="0"/>
+              <a:t>funzionare.</a:t>
             </a:r>
           </a:p>
           <a:p>
@@ -5829,21 +5858,16 @@
     </p:spTree>
     <p:extLst>
       <p:ext uri="{BB962C8B-B14F-4D97-AF65-F5344CB8AC3E}">
-        <p14:creationId xmlns:p14="http://schemas.microsoft.com/office/powerpoint/2010/main" xmlns="" val="155874689"/>
+        <p14:creationId xmlns="" xmlns:p14="http://schemas.microsoft.com/office/powerpoint/2010/main" val="155874689"/>
       </p:ext>
     </p:extLst>
   </p:cSld>
   <p:clrMapOvr>
     <a:masterClrMapping/>
   </p:clrMapOvr>
-  <mc:AlternateContent xmlns:mc="http://schemas.openxmlformats.org/markup-compatibility/2006">
-    <mc:Choice xmlns:p14="http://schemas.microsoft.com/office/powerpoint/2010/main" xmlns="" Requires="p14">
-      <p:transition spd="slow" p14:dur="2000"/>
-    </mc:Choice>
-    <mc:Fallback>
-      <p:transition spd="slow"/>
-    </mc:Fallback>
-  </mc:AlternateContent>
+  <p:transition spd="slow">
+    <p:fade thruBlk="1"/>
+  </p:transition>
   <p:timing>
     <p:tnLst>
       <p:par>
@@ -5879,8 +5903,8 @@
         </p:nvSpPr>
         <p:spPr>
           <a:xfrm>
-            <a:off x="1662366" y="428604"/>
-            <a:ext cx="5767155" cy="1538883"/>
+            <a:off x="1206920" y="428604"/>
+            <a:ext cx="6678047" cy="1538883"/>
           </a:xfrm>
           <a:prstGeom prst="rect">
             <a:avLst/>
@@ -5898,8 +5922,15 @@
               <a:rPr lang="it-IT" sz="4800" b="1" dirty="0" smtClean="0">
                 <a:latin typeface="+mj-lt"/>
               </a:rPr>
-              <a:t>Progettazione pattern</a:t>
-            </a:r>
+              <a:t>Progettazione </a:t>
+            </a:r>
+            <a:r>
+              <a:rPr lang="it-IT" sz="4800" b="1" dirty="0" err="1" smtClean="0"/>
+              <a:t>framework</a:t>
+            </a:r>
+            <a:endParaRPr lang="it-IT" sz="4800" b="1" dirty="0" smtClean="0">
+              <a:latin typeface="+mj-lt"/>
+            </a:endParaRPr>
           </a:p>
           <a:p>
             <a:pPr algn="ctr"/>
@@ -5911,7 +5942,6 @@
               <a:rPr lang="it-IT" sz="2800" b="1" dirty="0" smtClean="0"/>
               <a:t>: i metodi chiave</a:t>
             </a:r>
-            <a:endParaRPr lang="it-IT" sz="2800" b="1" dirty="0" smtClean="0"/>
           </a:p>
           <a:p>
             <a:pPr algn="ctr"/>
@@ -6171,11 +6201,7 @@
             <a:pPr marL="0" indent="0"/>
             <a:r>
               <a:rPr lang="en-US" b="1" dirty="0" smtClean="0"/>
-              <a:t>protected </a:t>
-            </a:r>
-            <a:r>
-              <a:rPr lang="en-US" b="1" dirty="0" smtClean="0"/>
-              <a:t>final Map&lt;String, Object&gt; </a:t>
+              <a:t>protected final Map&lt;String, Object&gt; </a:t>
             </a:r>
             <a:r>
               <a:rPr lang="en-US" b="1" dirty="0" err="1" smtClean="0"/>
@@ -6213,21 +6239,16 @@
     </p:spTree>
     <p:extLst>
       <p:ext uri="{BB962C8B-B14F-4D97-AF65-F5344CB8AC3E}">
-        <p14:creationId xmlns:p14="http://schemas.microsoft.com/office/powerpoint/2010/main" xmlns="" val="155874689"/>
+        <p14:creationId xmlns="" xmlns:p14="http://schemas.microsoft.com/office/powerpoint/2010/main" val="155874689"/>
       </p:ext>
     </p:extLst>
   </p:cSld>
   <p:clrMapOvr>
     <a:masterClrMapping/>
   </p:clrMapOvr>
-  <mc:AlternateContent xmlns:mc="http://schemas.openxmlformats.org/markup-compatibility/2006">
-    <mc:Choice xmlns:p14="http://schemas.microsoft.com/office/powerpoint/2010/main" xmlns="" Requires="p14">
-      <p:transition spd="slow" p14:dur="2000"/>
-    </mc:Choice>
-    <mc:Fallback>
-      <p:transition spd="slow"/>
-    </mc:Fallback>
-  </mc:AlternateContent>
+  <p:transition spd="slow">
+    <p:fade thruBlk="1"/>
+  </p:transition>
   <p:timing>
     <p:tnLst>
       <p:par>
@@ -6263,8 +6284,8 @@
         </p:nvSpPr>
         <p:spPr>
           <a:xfrm>
-            <a:off x="1662366" y="428604"/>
-            <a:ext cx="5767155" cy="1538883"/>
+            <a:off x="1206920" y="428604"/>
+            <a:ext cx="6678047" cy="1538883"/>
           </a:xfrm>
           <a:prstGeom prst="rect">
             <a:avLst/>
@@ -6282,8 +6303,15 @@
               <a:rPr lang="it-IT" sz="4800" b="1" dirty="0" smtClean="0">
                 <a:latin typeface="+mj-lt"/>
               </a:rPr>
-              <a:t>Progettazione pattern</a:t>
-            </a:r>
+              <a:t>Progettazione </a:t>
+            </a:r>
+            <a:r>
+              <a:rPr lang="it-IT" sz="4800" b="1" dirty="0" err="1" smtClean="0"/>
+              <a:t>framework</a:t>
+            </a:r>
+            <a:endParaRPr lang="it-IT" sz="4800" b="1" dirty="0" smtClean="0">
+              <a:latin typeface="+mj-lt"/>
+            </a:endParaRPr>
           </a:p>
           <a:p>
             <a:pPr algn="ctr"/>
@@ -6295,7 +6323,6 @@
               <a:rPr lang="it-IT" sz="2800" b="1" dirty="0" smtClean="0"/>
               <a:t>: i metodi chiave</a:t>
             </a:r>
-            <a:endParaRPr lang="it-IT" sz="2800" b="1" dirty="0" smtClean="0"/>
           </a:p>
           <a:p>
             <a:pPr algn="ctr"/>
@@ -6491,11 +6518,7 @@
             </a:r>
             <a:r>
               <a:rPr lang="it-IT" b="1" dirty="0" smtClean="0"/>
-              <a:t> </a:t>
-            </a:r>
-            <a:r>
-              <a:rPr lang="it-IT" b="1" dirty="0" smtClean="0"/>
-              <a:t>Assegnazione[] </a:t>
+              <a:t> Assegnazione[] </a:t>
             </a:r>
             <a:r>
               <a:rPr lang="it-IT" b="1" dirty="0" err="1" smtClean="0"/>
@@ -6545,11 +6568,7 @@
             </a:br>
             <a:r>
               <a:rPr lang="it-IT" dirty="0" smtClean="0"/>
-              <a:t>Nella sua implementazione predefinita, questo metodo restituisce </a:t>
-            </a:r>
-            <a:r>
-              <a:rPr lang="it-IT" dirty="0" smtClean="0"/>
-              <a:t>sempre </a:t>
+              <a:t>Nella sua implementazione predefinita, questo metodo restituisce sempre </a:t>
             </a:r>
             <a:r>
               <a:rPr lang="it-IT" dirty="0" err="1" smtClean="0">
@@ -6559,15 +6578,7 @@
             </a:r>
             <a:r>
               <a:rPr lang="it-IT" dirty="0" smtClean="0"/>
-              <a:t>. </a:t>
-            </a:r>
-            <a:r>
-              <a:rPr lang="it-IT" dirty="0" smtClean="0"/>
-              <a:t>Le </a:t>
-            </a:r>
-            <a:r>
-              <a:rPr lang="it-IT" dirty="0" smtClean="0"/>
-              <a:t>classi estendenti possono sovrascrivere questo metodo per indicare in modo comodo delle assegnazioni predefinite per tutti i metodi di modifica della base di dati.</a:t>
+              <a:t>. Le classi estendenti possono sovrascrivere questo metodo per indicare in modo comodo delle assegnazioni predefinite per tutti i metodi di modifica della base di dati.</a:t>
             </a:r>
           </a:p>
           <a:p>
@@ -6578,21 +6589,16 @@
     </p:spTree>
     <p:extLst>
       <p:ext uri="{BB962C8B-B14F-4D97-AF65-F5344CB8AC3E}">
-        <p14:creationId xmlns:p14="http://schemas.microsoft.com/office/powerpoint/2010/main" xmlns="" val="155874689"/>
+        <p14:creationId xmlns="" xmlns:p14="http://schemas.microsoft.com/office/powerpoint/2010/main" val="155874689"/>
       </p:ext>
     </p:extLst>
   </p:cSld>
   <p:clrMapOvr>
     <a:masterClrMapping/>
   </p:clrMapOvr>
-  <mc:AlternateContent xmlns:mc="http://schemas.openxmlformats.org/markup-compatibility/2006">
-    <mc:Choice xmlns:p14="http://schemas.microsoft.com/office/powerpoint/2010/main" xmlns="" Requires="p14">
-      <p:transition spd="slow" p14:dur="2000"/>
-    </mc:Choice>
-    <mc:Fallback>
-      <p:transition spd="slow"/>
-    </mc:Fallback>
-  </mc:AlternateContent>
+  <p:transition spd="slow">
+    <p:fade thruBlk="1"/>
+  </p:transition>
   <p:timing>
     <p:tnLst>
       <p:par>
@@ -6960,21 +6966,16 @@
     </p:spTree>
     <p:extLst>
       <p:ext uri="{BB962C8B-B14F-4D97-AF65-F5344CB8AC3E}">
-        <p14:creationId xmlns:p14="http://schemas.microsoft.com/office/powerpoint/2010/main" xmlns="" val="155874689"/>
+        <p14:creationId xmlns="" xmlns:p14="http://schemas.microsoft.com/office/powerpoint/2010/main" val="155874689"/>
       </p:ext>
     </p:extLst>
   </p:cSld>
   <p:clrMapOvr>
     <a:masterClrMapping/>
   </p:clrMapOvr>
-  <mc:AlternateContent xmlns:mc="http://schemas.openxmlformats.org/markup-compatibility/2006">
-    <mc:Choice xmlns:p14="http://schemas.microsoft.com/office/powerpoint/2010/main" xmlns="" Requires="p14">
-      <p:transition spd="slow" p14:dur="2000"/>
-    </mc:Choice>
-    <mc:Fallback>
-      <p:transition spd="slow"/>
-    </mc:Fallback>
-  </mc:AlternateContent>
+  <p:transition spd="slow">
+    <p:fade thruBlk="1"/>
+  </p:transition>
   <p:timing>
     <p:tnLst>
       <p:par>
@@ -7238,32 +7239,103 @@
             </a:lvl9pPr>
           </a:lstStyle>
           <a:p>
+            <a:pPr marL="342900" indent="-342900" algn="just">
+              <a:buNone/>
+            </a:pPr>
+            <a:r>
+              <a:rPr lang="it-IT" dirty="0" smtClean="0"/>
+              <a:t>Ogni classe di gestione </a:t>
+            </a:r>
+            <a:r>
+              <a:rPr lang="it-IT" dirty="0" smtClean="0"/>
+              <a:t>di un </a:t>
+            </a:r>
+            <a:r>
+              <a:rPr lang="it-IT" dirty="0" err="1" smtClean="0"/>
+              <a:t>bean</a:t>
+            </a:r>
+            <a:r>
+              <a:rPr lang="it-IT" dirty="0" smtClean="0"/>
+              <a:t> erediterà i metodi per consentire le operazioni base sulla base dati.</a:t>
+            </a:r>
+          </a:p>
+          <a:p>
+            <a:pPr marL="342900" indent="-342900" algn="just">
+              <a:buNone/>
+            </a:pPr>
+            <a:r>
+              <a:rPr lang="it-IT" dirty="0" smtClean="0"/>
+              <a:t>I metodi così non verranno scritti per ogni </a:t>
+            </a:r>
+            <a:r>
+              <a:rPr lang="it-IT" dirty="0" smtClean="0"/>
+              <a:t>classe, conseguendo </a:t>
+            </a:r>
+            <a:r>
+              <a:rPr lang="it-IT" dirty="0" smtClean="0"/>
+              <a:t>un risparmio </a:t>
+            </a:r>
+            <a:r>
+              <a:rPr lang="it-IT" dirty="0" smtClean="0"/>
+              <a:t>notevole:.</a:t>
+            </a:r>
+          </a:p>
+          <a:p>
+            <a:pPr marL="342900" indent="-342900" algn="just">
+              <a:buNone/>
+            </a:pPr>
+            <a:endParaRPr lang="it-IT" dirty="0" smtClean="0"/>
+          </a:p>
+          <a:p>
             <a:pPr marL="342900" indent="-342900">
               <a:buNone/>
             </a:pPr>
             <a:r>
-              <a:rPr lang="it-IT" dirty="0" smtClean="0"/>
-              <a:t>Ogni classe di gestione del </a:t>
-            </a:r>
-            <a:r>
-              <a:rPr lang="it-IT" dirty="0" err="1" smtClean="0"/>
-              <a:t>bean</a:t>
-            </a:r>
-            <a:r>
-              <a:rPr lang="it-IT" dirty="0" smtClean="0"/>
-              <a:t> erediterà i metodi per consentire le operazioni base sulla base dati.</a:t>
-            </a:r>
-          </a:p>
-          <a:p>
-            <a:pPr marL="342900" indent="-342900">
-              <a:buNone/>
-            </a:pPr>
-            <a:r>
-              <a:rPr lang="it-IT" dirty="0" smtClean="0"/>
-              <a:t>I metodi così non verranno scritti per ogni classe, conseguendo un risparmio notevole, ovvero gli sviluppatori  scriveranno </a:t>
-            </a:r>
-            <a:r>
-              <a:rPr lang="it-IT" u="sng" dirty="0" smtClean="0"/>
+              <a:rPr lang="it-IT" sz="3200" i="1" dirty="0" smtClean="0">
+                <a:effectLst>
+                  <a:outerShdw blurRad="38100" dist="38100" dir="2700000" algn="tl">
+                    <a:srgbClr val="000000">
+                      <a:alpha val="43137"/>
+                    </a:srgbClr>
+                  </a:outerShdw>
+                </a:effectLst>
+              </a:rPr>
+              <a:t>G</a:t>
+            </a:r>
+            <a:r>
+              <a:rPr lang="it-IT" sz="3200" i="1" dirty="0" smtClean="0">
+                <a:effectLst>
+                  <a:outerShdw blurRad="38100" dist="38100" dir="2700000" algn="tl">
+                    <a:srgbClr val="000000">
+                      <a:alpha val="43137"/>
+                    </a:srgbClr>
+                  </a:outerShdw>
+                </a:effectLst>
+              </a:rPr>
+              <a:t>li </a:t>
+            </a:r>
+            <a:r>
+              <a:rPr lang="it-IT" sz="3200" i="1" dirty="0" smtClean="0">
+                <a:effectLst>
+                  <a:outerShdw blurRad="38100" dist="38100" dir="2700000" algn="tl">
+                    <a:srgbClr val="000000">
+                      <a:alpha val="43137"/>
+                    </a:srgbClr>
+                  </a:outerShdw>
+                </a:effectLst>
+              </a:rPr>
+              <a:t>sviluppatori  scriveranno </a:t>
+            </a:r>
+            <a:r>
+              <a:rPr lang="it-IT" sz="3200" i="1" u="sng" dirty="0" smtClean="0">
+                <a:effectLst>
+                  <a:outerShdw blurRad="38100" dist="38100" dir="2700000" algn="tl">
+                    <a:srgbClr val="000000">
+                      <a:alpha val="43137"/>
+                    </a:srgbClr>
+                  </a:outerShdw>
+                </a:effectLst>
+              </a:rPr>
               <a:t>165 metodi in meno </a:t>
             </a:r>
           </a:p>
@@ -7272,21 +7344,16 @@
     </p:spTree>
     <p:extLst>
       <p:ext uri="{BB962C8B-B14F-4D97-AF65-F5344CB8AC3E}">
-        <p14:creationId xmlns:p14="http://schemas.microsoft.com/office/powerpoint/2010/main" xmlns="" val="155874689"/>
+        <p14:creationId xmlns="" xmlns:p14="http://schemas.microsoft.com/office/powerpoint/2010/main" val="155874689"/>
       </p:ext>
     </p:extLst>
   </p:cSld>
   <p:clrMapOvr>
     <a:masterClrMapping/>
   </p:clrMapOvr>
-  <mc:AlternateContent xmlns:mc="http://schemas.openxmlformats.org/markup-compatibility/2006">
-    <mc:Choice xmlns:p14="http://schemas.microsoft.com/office/powerpoint/2010/main" xmlns="" Requires="p14">
-      <p:transition spd="slow" p14:dur="2000"/>
-    </mc:Choice>
-    <mc:Fallback>
-      <p:transition spd="slow"/>
-    </mc:Fallback>
-  </mc:AlternateContent>
+  <p:transition spd="slow">
+    <p:fade thruBlk="1"/>
+  </p:transition>
   <p:timing>
     <p:tnLst>
       <p:par>
@@ -7821,21 +7888,16 @@
     </p:spTree>
     <p:extLst>
       <p:ext uri="{BB962C8B-B14F-4D97-AF65-F5344CB8AC3E}">
-        <p14:creationId xmlns:p14="http://schemas.microsoft.com/office/powerpoint/2010/main" xmlns="" val="155874689"/>
+        <p14:creationId xmlns="" xmlns:p14="http://schemas.microsoft.com/office/powerpoint/2010/main" val="155874689"/>
       </p:ext>
     </p:extLst>
   </p:cSld>
   <p:clrMapOvr>
     <a:masterClrMapping/>
   </p:clrMapOvr>
-  <mc:AlternateContent xmlns:mc="http://schemas.openxmlformats.org/markup-compatibility/2006">
-    <mc:Choice xmlns:p14="http://schemas.microsoft.com/office/powerpoint/2010/main" xmlns="" Requires="p14">
-      <p:transition spd="slow" p14:dur="2000"/>
-    </mc:Choice>
-    <mc:Fallback>
-      <p:transition spd="slow"/>
-    </mc:Fallback>
-  </mc:AlternateContent>
+  <p:transition spd="slow">
+    <p:fade thruBlk="1"/>
+  </p:transition>
   <p:timing>
     <p:tnLst>
       <p:par>
@@ -8013,21 +8075,16 @@
     </p:spTree>
     <p:extLst>
       <p:ext uri="{BB962C8B-B14F-4D97-AF65-F5344CB8AC3E}">
-        <p14:creationId xmlns:p14="http://schemas.microsoft.com/office/powerpoint/2010/main" xmlns="" val="155874689"/>
+        <p14:creationId xmlns="" xmlns:p14="http://schemas.microsoft.com/office/powerpoint/2010/main" val="155874689"/>
       </p:ext>
     </p:extLst>
   </p:cSld>
   <p:clrMapOvr>
     <a:masterClrMapping/>
   </p:clrMapOvr>
-  <mc:AlternateContent xmlns:mc="http://schemas.openxmlformats.org/markup-compatibility/2006">
-    <mc:Choice xmlns:p14="http://schemas.microsoft.com/office/powerpoint/2010/main" xmlns="" Requires="p14">
-      <p:transition spd="slow" p14:dur="2000"/>
-    </mc:Choice>
-    <mc:Fallback>
-      <p:transition spd="slow"/>
-    </mc:Fallback>
-  </mc:AlternateContent>
+  <p:transition spd="slow">
+    <p:fade thruBlk="1"/>
+  </p:transition>
   <p:timing>
     <p:tnLst>
       <p:par>
@@ -8063,8 +8120,8 @@
         </p:nvSpPr>
         <p:spPr>
           <a:xfrm>
-            <a:off x="1662364" y="428604"/>
-            <a:ext cx="5767156" cy="1538883"/>
+            <a:off x="1206919" y="428604"/>
+            <a:ext cx="6678047" cy="1538883"/>
           </a:xfrm>
           <a:prstGeom prst="rect">
             <a:avLst/>
@@ -8082,8 +8139,15 @@
               <a:rPr lang="it-IT" sz="4800" b="1" dirty="0" smtClean="0">
                 <a:latin typeface="+mj-lt"/>
               </a:rPr>
-              <a:t>Progettazione pattern</a:t>
-            </a:r>
+              <a:t>Progettazione </a:t>
+            </a:r>
+            <a:r>
+              <a:rPr lang="it-IT" sz="4800" b="1" dirty="0" err="1" smtClean="0"/>
+              <a:t>framework</a:t>
+            </a:r>
+            <a:endParaRPr lang="it-IT" sz="4800" b="1" dirty="0" smtClean="0">
+              <a:latin typeface="+mj-lt"/>
+            </a:endParaRPr>
           </a:p>
           <a:p>
             <a:pPr algn="ctr"/>
@@ -8319,38 +8383,63 @@
             <a:endParaRPr lang="it-IT" b="1" u="sng" dirty="0" smtClean="0"/>
           </a:p>
           <a:p>
-            <a:pPr algn="just">
-              <a:buNone/>
-            </a:pPr>
             <a:r>
               <a:rPr lang="it-IT" b="1" dirty="0" smtClean="0"/>
-              <a:t>Il compito del pattern progettato è quello di portare un modello a oggetti in un database relazionale. </a:t>
+              <a:t>Obiettivo</a:t>
             </a:r>
             <a:r>
               <a:rPr lang="it-IT" dirty="0" smtClean="0"/>
-              <a:t>Questa operazioni è molto complessa in quanto, pur potendo avere dei punti di contatto, si tratta di due paradigmi differenti, in particolare quando ci riferiamo alle relazioni.</a:t>
-            </a:r>
+              <a:t>: portare un modello a oggetti in </a:t>
+            </a:r>
+            <a:r>
+              <a:rPr lang="it-IT" dirty="0" smtClean="0"/>
+              <a:t>un database relazionale.</a:t>
+            </a:r>
+          </a:p>
+          <a:p>
+            <a:r>
+              <a:rPr lang="it-IT" dirty="0" smtClean="0"/>
+              <a:t>Operazione </a:t>
+            </a:r>
+            <a:r>
+              <a:rPr lang="it-IT" dirty="0" smtClean="0"/>
+              <a:t>molto </a:t>
+            </a:r>
+            <a:r>
+              <a:rPr lang="it-IT" dirty="0" smtClean="0"/>
+              <a:t>complessa.</a:t>
+            </a:r>
+          </a:p>
+          <a:p>
+            <a:r>
+              <a:rPr lang="it-IT" dirty="0" smtClean="0"/>
+              <a:t>D</a:t>
+            </a:r>
+            <a:r>
+              <a:rPr lang="it-IT" dirty="0" smtClean="0"/>
+              <a:t>ue </a:t>
+            </a:r>
+            <a:r>
+              <a:rPr lang="it-IT" dirty="0" smtClean="0"/>
+              <a:t>paradigmi differenti (ad esempio relazioni, chiavi esterne)</a:t>
+            </a:r>
+            <a:endParaRPr lang="it-IT" dirty="0" smtClean="0"/>
           </a:p>
         </p:txBody>
       </p:sp>
     </p:spTree>
     <p:extLst>
       <p:ext uri="{BB962C8B-B14F-4D97-AF65-F5344CB8AC3E}">
-        <p14:creationId xmlns:p14="http://schemas.microsoft.com/office/powerpoint/2010/main" xmlns="" val="155874689"/>
+        <p14:creationId xmlns="" xmlns:p14="http://schemas.microsoft.com/office/powerpoint/2010/main" val="155874689"/>
       </p:ext>
     </p:extLst>
   </p:cSld>
   <p:clrMapOvr>
     <a:masterClrMapping/>
   </p:clrMapOvr>
-  <mc:AlternateContent xmlns:mc="http://schemas.openxmlformats.org/markup-compatibility/2006">
-    <mc:Choice xmlns:p14="http://schemas.microsoft.com/office/powerpoint/2010/main" xmlns="" Requires="p14">
-      <p:transition spd="slow" p14:dur="2000"/>
-    </mc:Choice>
-    <mc:Fallback>
-      <p:transition spd="slow"/>
-    </mc:Fallback>
-  </mc:AlternateContent>
+  <p:transition spd="slow">
+    <p:fade thruBlk="1"/>
+  </p:transition>
   <p:timing>
     <p:tnLst>
       <p:par>
@@ -8386,8 +8475,8 @@
         </p:nvSpPr>
         <p:spPr>
           <a:xfrm>
-            <a:off x="1432879" y="428604"/>
-            <a:ext cx="6226128" cy="1538883"/>
+            <a:off x="1206920" y="428604"/>
+            <a:ext cx="6678047" cy="1538883"/>
           </a:xfrm>
           <a:prstGeom prst="rect">
             <a:avLst/>
@@ -8405,8 +8494,15 @@
               <a:rPr lang="it-IT" sz="4800" b="1" dirty="0" smtClean="0">
                 <a:latin typeface="+mj-lt"/>
               </a:rPr>
-              <a:t>Progettazione pattern</a:t>
-            </a:r>
+              <a:t>Progettazione </a:t>
+            </a:r>
+            <a:r>
+              <a:rPr lang="it-IT" sz="4800" b="1" dirty="0" err="1" smtClean="0"/>
+              <a:t>framework</a:t>
+            </a:r>
+            <a:endParaRPr lang="it-IT" sz="4800" b="1" dirty="0" smtClean="0">
+              <a:latin typeface="+mj-lt"/>
+            </a:endParaRPr>
           </a:p>
           <a:p>
             <a:pPr algn="ctr"/>
@@ -8649,21 +8745,16 @@
     </p:spTree>
     <p:extLst>
       <p:ext uri="{BB962C8B-B14F-4D97-AF65-F5344CB8AC3E}">
-        <p14:creationId xmlns:p14="http://schemas.microsoft.com/office/powerpoint/2010/main" xmlns="" val="155874689"/>
+        <p14:creationId xmlns="" xmlns:p14="http://schemas.microsoft.com/office/powerpoint/2010/main" val="155874689"/>
       </p:ext>
     </p:extLst>
   </p:cSld>
   <p:clrMapOvr>
     <a:masterClrMapping/>
   </p:clrMapOvr>
-  <mc:AlternateContent xmlns:mc="http://schemas.openxmlformats.org/markup-compatibility/2006">
-    <mc:Choice xmlns:p14="http://schemas.microsoft.com/office/powerpoint/2010/main" xmlns="" Requires="p14">
-      <p:transition spd="slow" p14:dur="2000"/>
-    </mc:Choice>
-    <mc:Fallback>
-      <p:transition spd="slow"/>
-    </mc:Fallback>
-  </mc:AlternateContent>
+  <p:transition spd="slow">
+    <p:fade thruBlk="1"/>
+  </p:transition>
   <p:timing>
     <p:tnLst>
       <p:par>
@@ -8718,8 +8809,17 @@
               <a:rPr lang="it-IT" sz="4800" b="1" dirty="0" smtClean="0">
                 <a:latin typeface="+mj-lt"/>
               </a:rPr>
-              <a:t>Progettazione pattern</a:t>
-            </a:r>
+              <a:t>Progettazione </a:t>
+            </a:r>
+            <a:r>
+              <a:rPr lang="it-IT" sz="4800" b="1" dirty="0" err="1" smtClean="0">
+                <a:latin typeface="+mj-lt"/>
+              </a:rPr>
+              <a:t>framework</a:t>
+            </a:r>
+            <a:endParaRPr lang="it-IT" sz="4800" b="1" dirty="0" smtClean="0">
+              <a:latin typeface="+mj-lt"/>
+            </a:endParaRPr>
           </a:p>
           <a:p>
             <a:pPr algn="ctr"/>
@@ -8927,23 +9027,7 @@
             </a:r>
             <a:r>
               <a:rPr lang="it-IT" dirty="0" smtClean="0"/>
-              <a:t>: è l'interfaccia che contiene i metodi che si useranno per gestire una qualunque </a:t>
-            </a:r>
-            <a:r>
-              <a:rPr lang="it-IT" dirty="0" smtClean="0"/>
-              <a:t>tabella </a:t>
-            </a:r>
-            <a:r>
-              <a:rPr lang="it-IT" dirty="0" smtClean="0"/>
-              <a:t>del database. Nel nostro caso vi è </a:t>
-            </a:r>
-            <a:r>
-              <a:rPr lang="it-IT" dirty="0" smtClean="0"/>
-              <a:t>un'unica classe(Tabella</a:t>
-            </a:r>
-            <a:r>
-              <a:rPr lang="it-IT" dirty="0" smtClean="0"/>
-              <a:t>) che implementa </a:t>
+              <a:t>: è l'interfaccia che contiene i metodi che si useranno per gestire una qualunque tabella del database. Nel nostro caso vi è un'unica classe(Tabella) che implementa </a:t>
             </a:r>
             <a:r>
               <a:rPr lang="it-IT" i="1" dirty="0" err="1" smtClean="0"/>
@@ -8957,11 +9041,7 @@
           <a:p>
             <a:r>
               <a:rPr lang="it-IT" dirty="0" smtClean="0"/>
-              <a:t>La </a:t>
-            </a:r>
-            <a:r>
-              <a:rPr lang="it-IT" dirty="0" smtClean="0"/>
-              <a:t>classe </a:t>
+              <a:t>La classe </a:t>
             </a:r>
             <a:r>
               <a:rPr lang="it-IT" b="1" dirty="0" smtClean="0"/>
@@ -8977,13 +9057,8 @@
             </a:r>
             <a:r>
               <a:rPr lang="it-IT" dirty="0" smtClean="0"/>
-              <a:t> sul database del sistema</a:t>
-            </a:r>
-            <a:r>
-              <a:rPr lang="it-IT" dirty="0" smtClean="0"/>
-              <a:t>.</a:t>
-            </a:r>
-            <a:endParaRPr lang="it-IT" dirty="0" smtClean="0"/>
+              <a:t> sul database del sistema.</a:t>
+            </a:r>
           </a:p>
           <a:p>
             <a:r>
@@ -9004,11 +9079,7 @@
             </a:r>
             <a:r>
               <a:rPr lang="it-IT" dirty="0" smtClean="0"/>
-              <a:t> </a:t>
-            </a:r>
-            <a:r>
-              <a:rPr lang="it-IT" dirty="0" smtClean="0"/>
-              <a:t>e rappresenta la tabella del </a:t>
+              <a:t> e rappresenta la tabella del </a:t>
             </a:r>
             <a:r>
               <a:rPr lang="it-IT" dirty="0" err="1" smtClean="0"/>
@@ -9018,28 +9089,22 @@
               <a:rPr lang="it-IT" dirty="0" smtClean="0"/>
               <a:t> nel database.</a:t>
             </a:r>
-            <a:endParaRPr lang="it-IT" dirty="0" smtClean="0"/>
           </a:p>
         </p:txBody>
       </p:sp>
     </p:spTree>
     <p:extLst>
       <p:ext uri="{BB962C8B-B14F-4D97-AF65-F5344CB8AC3E}">
-        <p14:creationId xmlns:p14="http://schemas.microsoft.com/office/powerpoint/2010/main" xmlns="" val="155874689"/>
+        <p14:creationId xmlns="" xmlns:p14="http://schemas.microsoft.com/office/powerpoint/2010/main" val="155874689"/>
       </p:ext>
     </p:extLst>
   </p:cSld>
   <p:clrMapOvr>
     <a:masterClrMapping/>
   </p:clrMapOvr>
-  <mc:AlternateContent xmlns:mc="http://schemas.openxmlformats.org/markup-compatibility/2006">
-    <mc:Choice xmlns:p14="http://schemas.microsoft.com/office/powerpoint/2010/main" xmlns="" Requires="p14">
-      <p:transition spd="slow" p14:dur="2000"/>
-    </mc:Choice>
-    <mc:Fallback>
-      <p:transition spd="slow"/>
-    </mc:Fallback>
-  </mc:AlternateContent>
+  <p:transition spd="slow">
+    <p:fade thruBlk="1"/>
+  </p:transition>
   <p:timing>
     <p:tnLst>
       <p:par>
@@ -9094,8 +9159,15 @@
               <a:rPr lang="it-IT" sz="4800" b="1" dirty="0" smtClean="0">
                 <a:latin typeface="+mj-lt"/>
               </a:rPr>
-              <a:t>Progettazione pattern</a:t>
-            </a:r>
+              <a:t>Progettazione </a:t>
+            </a:r>
+            <a:r>
+              <a:rPr lang="it-IT" sz="4800" b="1" dirty="0" err="1" smtClean="0"/>
+              <a:t>framework</a:t>
+            </a:r>
+            <a:endParaRPr lang="it-IT" sz="4800" b="1" dirty="0" smtClean="0">
+              <a:latin typeface="+mj-lt"/>
+            </a:endParaRPr>
           </a:p>
           <a:p>
             <a:pPr algn="ctr"/>
@@ -9303,15 +9375,7 @@
             </a:r>
             <a:r>
               <a:rPr lang="it-IT" dirty="0" smtClean="0"/>
-              <a:t> è una interfaccia in cui sono dichiarati i metodi </a:t>
-            </a:r>
-            <a:r>
-              <a:rPr lang="it-IT" dirty="0" smtClean="0"/>
-              <a:t> che devono essere implementati ai </a:t>
-            </a:r>
-            <a:r>
-              <a:rPr lang="it-IT" dirty="0" smtClean="0"/>
-              <a:t>fini di un corretto funzionamento del </a:t>
+              <a:t> è una interfaccia in cui sono dichiarati i metodi  che devono essere implementati ai fini di un corretto funzionamento del </a:t>
             </a:r>
             <a:r>
               <a:rPr lang="it-IT" dirty="0" err="1" smtClean="0"/>
@@ -9319,11 +9383,7 @@
             </a:r>
             <a:r>
               <a:rPr lang="it-IT" dirty="0" smtClean="0"/>
-              <a:t> </a:t>
-            </a:r>
-            <a:r>
-              <a:rPr lang="it-IT" dirty="0" smtClean="0"/>
-              <a:t>.</a:t>
+              <a:t> .</a:t>
             </a:r>
           </a:p>
           <a:p>
@@ -9333,15 +9393,7 @@
             </a:r>
             <a:r>
               <a:rPr lang="it-IT" dirty="0" smtClean="0"/>
-              <a:t> è una classe che </a:t>
-            </a:r>
-            <a:r>
-              <a:rPr lang="it-IT" dirty="0" smtClean="0"/>
-              <a:t>implementa metodi </a:t>
-            </a:r>
-            <a:r>
-              <a:rPr lang="it-IT" dirty="0" smtClean="0"/>
-              <a:t>per effettuare le operazioni più comuni sul database </a:t>
+              <a:t> è una classe che implementa metodi per effettuare le operazioni più comuni sul database </a:t>
             </a:r>
           </a:p>
           <a:p>
@@ -9350,19 +9402,7 @@
             </a:pPr>
             <a:r>
               <a:rPr lang="it-IT" dirty="0" smtClean="0"/>
-              <a:t>	</a:t>
-            </a:r>
-            <a:r>
-              <a:rPr lang="it-IT" dirty="0" smtClean="0"/>
-              <a:t>e contiene </a:t>
-            </a:r>
-            <a:r>
-              <a:rPr lang="it-IT" dirty="0" smtClean="0"/>
-              <a:t>un </a:t>
-            </a:r>
-            <a:r>
-              <a:rPr lang="it-IT" dirty="0" smtClean="0"/>
-              <a:t>oggetto </a:t>
+              <a:t>	e contiene un oggetto </a:t>
             </a:r>
             <a:r>
               <a:rPr lang="it-IT" i="1" dirty="0" smtClean="0"/>
@@ -9370,11 +9410,7 @@
             </a:r>
             <a:r>
               <a:rPr lang="it-IT" dirty="0" smtClean="0"/>
-              <a:t> </a:t>
-            </a:r>
-            <a:r>
-              <a:rPr lang="it-IT" dirty="0" smtClean="0"/>
-              <a:t>che verrà istanziato da ogni classe che estende </a:t>
+              <a:t> che verrà istanziato da ogni classe che estende </a:t>
             </a:r>
             <a:r>
               <a:rPr lang="it-IT" dirty="0" err="1" smtClean="0"/>
@@ -9384,7 +9420,6 @@
               <a:rPr lang="it-IT" dirty="0" smtClean="0"/>
               <a:t> la suddetta. </a:t>
             </a:r>
-            <a:endParaRPr lang="it-IT" dirty="0" smtClean="0"/>
           </a:p>
           <a:p>
             <a:endParaRPr lang="it-IT" dirty="0" smtClean="0"/>
@@ -9394,21 +9429,16 @@
     </p:spTree>
     <p:extLst>
       <p:ext uri="{BB962C8B-B14F-4D97-AF65-F5344CB8AC3E}">
-        <p14:creationId xmlns:p14="http://schemas.microsoft.com/office/powerpoint/2010/main" xmlns="" val="155874689"/>
+        <p14:creationId xmlns="" xmlns:p14="http://schemas.microsoft.com/office/powerpoint/2010/main" val="155874689"/>
       </p:ext>
     </p:extLst>
   </p:cSld>
   <p:clrMapOvr>
     <a:masterClrMapping/>
   </p:clrMapOvr>
-  <mc:AlternateContent xmlns:mc="http://schemas.openxmlformats.org/markup-compatibility/2006">
-    <mc:Choice xmlns:p14="http://schemas.microsoft.com/office/powerpoint/2010/main" xmlns="" Requires="p14">
-      <p:transition spd="slow" p14:dur="2000"/>
-    </mc:Choice>
-    <mc:Fallback>
-      <p:transition spd="slow"/>
-    </mc:Fallback>
-  </mc:AlternateContent>
+  <p:transition spd="slow">
+    <p:fade thruBlk="1"/>
+  </p:transition>
   <p:timing>
     <p:tnLst>
       <p:par>
